--- a/PresentazioneTesiVersari.pptx
+++ b/PresentazioneTesiVersari.pptx
@@ -14,7 +14,7 @@
   <p:sldIdLst>
     <p:sldId id="722" r:id="rId3"/>
     <p:sldId id="1026" r:id="rId4"/>
-    <p:sldId id="1027" r:id="rId5"/>
+    <p:sldId id="1030" r:id="rId5"/>
     <p:sldId id="1028" r:id="rId6"/>
   </p:sldIdLst>
   <p:sldSz cx="9144000" cy="6858000" type="screen4x3"/>
@@ -1068,6 +1068,96 @@
     <p:extLst>
       <p:ext uri="{BB962C8B-B14F-4D97-AF65-F5344CB8AC3E}">
         <p14:creationId xmlns:p14="http://schemas.microsoft.com/office/powerpoint/2010/main" val="3799737442"/>
+      </p:ext>
+    </p:extLst>
+  </p:cSld>
+  <p:clrMapOvr>
+    <a:masterClrMapping/>
+  </p:clrMapOvr>
+</p:notes>
+</file>
+
+<file path=ppt/notesSlides/notesSlide3.xml><?xml version="1.0" encoding="utf-8"?>
+<p:notes xmlns:a="http://schemas.openxmlformats.org/drawingml/2006/main" xmlns:r="http://schemas.openxmlformats.org/officeDocument/2006/relationships" xmlns:p="http://schemas.openxmlformats.org/presentationml/2006/main">
+  <p:cSld>
+    <p:spTree>
+      <p:nvGrpSpPr>
+        <p:cNvPr id="1" name=""/>
+        <p:cNvGrpSpPr/>
+        <p:nvPr/>
+      </p:nvGrpSpPr>
+      <p:grpSpPr>
+        <a:xfrm>
+          <a:off x="0" y="0"/>
+          <a:ext cx="0" cy="0"/>
+          <a:chOff x="0" y="0"/>
+          <a:chExt cx="0" cy="0"/>
+        </a:xfrm>
+      </p:grpSpPr>
+      <p:sp>
+        <p:nvSpPr>
+          <p:cNvPr id="2" name="Slide Image Placeholder 1"/>
+          <p:cNvSpPr>
+            <a:spLocks noGrp="1" noRot="1" noChangeAspect="1"/>
+          </p:cNvSpPr>
+          <p:nvPr>
+            <p:ph type="sldImg"/>
+          </p:nvPr>
+        </p:nvSpPr>
+        <p:spPr/>
+      </p:sp>
+      <p:sp>
+        <p:nvSpPr>
+          <p:cNvPr id="3" name="Notes Placeholder 2"/>
+          <p:cNvSpPr>
+            <a:spLocks noGrp="1"/>
+          </p:cNvSpPr>
+          <p:nvPr>
+            <p:ph type="body" idx="1"/>
+          </p:nvPr>
+        </p:nvSpPr>
+        <p:spPr/>
+        <p:txBody>
+          <a:bodyPr/>
+          <a:lstStyle/>
+          <a:p>
+            <a:endParaRPr lang="it-IT" dirty="0"/>
+          </a:p>
+        </p:txBody>
+      </p:sp>
+      <p:sp>
+        <p:nvSpPr>
+          <p:cNvPr id="4" name="Slide Number Placeholder 3"/>
+          <p:cNvSpPr>
+            <a:spLocks noGrp="1"/>
+          </p:cNvSpPr>
+          <p:nvPr>
+            <p:ph type="sldNum" sz="quarter" idx="10"/>
+          </p:nvPr>
+        </p:nvSpPr>
+        <p:spPr/>
+        <p:txBody>
+          <a:bodyPr/>
+          <a:lstStyle/>
+          <a:p>
+            <a:pPr>
+              <a:defRPr/>
+            </a:pPr>
+            <a:fld id="{2C11F25B-D58C-4A79-8AD6-38119B174837}" type="slidenum">
+              <a:rPr lang="it-IT" smtClean="0"/>
+              <a:pPr>
+                <a:defRPr/>
+              </a:pPr>
+              <a:t>3</a:t>
+            </a:fld>
+            <a:endParaRPr lang="it-IT"/>
+          </a:p>
+        </p:txBody>
+      </p:sp>
+    </p:spTree>
+    <p:extLst>
+      <p:ext uri="{BB962C8B-B14F-4D97-AF65-F5344CB8AC3E}">
+        <p14:creationId xmlns:p14="http://schemas.microsoft.com/office/powerpoint/2010/main" val="4141940171"/>
       </p:ext>
     </p:extLst>
   </p:cSld>
@@ -8166,8 +8256,26 @@
               <a:defRPr/>
             </a:pPr>
             <a:r>
+              <a:rPr lang="it-IT" sz="4400"/>
+              <a:t>Sintesi ottima </a:t>
+            </a:r>
+            <a:br>
+              <a:rPr lang="it-IT" sz="4400"/>
+            </a:br>
+            <a:r>
+              <a:rPr lang="it-IT" sz="4400"/>
+              <a:t>di funzioni booleane multi-uscita </a:t>
+            </a:r>
+            <a:br>
+              <a:rPr lang="it-IT" sz="4400"/>
+            </a:br>
+            <a:r>
+              <a:rPr lang="it-IT" sz="4400"/>
+              <a:t>mediante </a:t>
+            </a:r>
+            <a:r>
               <a:rPr lang="it-IT" sz="4400" dirty="0"/>
-              <a:t>Algoritmo Ottimo per il calcolo del Logaritmo</a:t>
+              <a:t>PLI</a:t>
             </a:r>
             <a:endParaRPr lang="it-IT" sz="2400" dirty="0">
               <a:latin typeface="+mj-lt"/>
@@ -8583,6 +8691,498 @@
           <a:chExt cx="0" cy="0"/>
         </a:xfrm>
       </p:grpSpPr>
+      <p:pic>
+        <p:nvPicPr>
+          <p:cNvPr id="14" name="Picture 13">
+            <a:extLst>
+              <a:ext uri="{FF2B5EF4-FFF2-40B4-BE49-F238E27FC236}">
+                <a16:creationId xmlns:a16="http://schemas.microsoft.com/office/drawing/2014/main" id="{81637D43-291B-F6A7-1F30-46BD1D3B0EEC}"/>
+              </a:ext>
+            </a:extLst>
+          </p:cNvPr>
+          <p:cNvPicPr>
+            <a:picLocks noChangeAspect="1"/>
+          </p:cNvPicPr>
+          <p:nvPr/>
+        </p:nvPicPr>
+        <p:blipFill>
+          <a:blip r:embed="rId3"/>
+          <a:stretch>
+            <a:fillRect/>
+          </a:stretch>
+        </p:blipFill>
+        <p:spPr>
+          <a:xfrm>
+            <a:off x="3961135" y="3356992"/>
+            <a:ext cx="4932040" cy="2867677"/>
+          </a:xfrm>
+          <a:prstGeom prst="rect">
+            <a:avLst/>
+          </a:prstGeom>
+        </p:spPr>
+      </p:pic>
+      <mc:AlternateContent xmlns:mc="http://schemas.openxmlformats.org/markup-compatibility/2006">
+        <mc:Choice xmlns:a14="http://schemas.microsoft.com/office/drawing/2010/main" Requires="a14">
+          <p:sp>
+            <p:nvSpPr>
+              <p:cNvPr id="15" name="Content Placeholder 2">
+                <a:extLst>
+                  <a:ext uri="{FF2B5EF4-FFF2-40B4-BE49-F238E27FC236}">
+                    <a16:creationId xmlns:a16="http://schemas.microsoft.com/office/drawing/2014/main" id="{B0188984-0E1A-053B-58F1-455849984A02}"/>
+                  </a:ext>
+                </a:extLst>
+              </p:cNvPr>
+              <p:cNvSpPr txBox="1">
+                <a:spLocks/>
+              </p:cNvSpPr>
+              <p:nvPr/>
+            </p:nvSpPr>
+            <p:spPr bwMode="auto">
+              <a:xfrm>
+                <a:off x="401805" y="2132549"/>
+                <a:ext cx="4307942" cy="576065"/>
+              </a:xfrm>
+              <a:prstGeom prst="rect">
+                <a:avLst/>
+              </a:prstGeom>
+              <a:noFill/>
+              <a:ln w="9525">
+                <a:noFill/>
+                <a:miter lim="800000"/>
+                <a:headEnd/>
+                <a:tailEnd/>
+              </a:ln>
+            </p:spPr>
+            <p:txBody>
+              <a:bodyPr vert="horz" wrap="square" lIns="91440" tIns="45720" rIns="91440" bIns="45720" numCol="1" anchor="t" anchorCtr="0" compatLnSpc="1">
+                <a:prstTxWarp prst="textNoShape">
+                  <a:avLst/>
+                </a:prstTxWarp>
+              </a:bodyPr>
+              <a:lstStyle>
+                <a:lvl1pPr marL="342900" indent="-342900" algn="l" rtl="0" eaLnBrk="0" fontAlgn="base" hangingPunct="0">
+                  <a:spcBef>
+                    <a:spcPct val="20000"/>
+                  </a:spcBef>
+                  <a:spcAft>
+                    <a:spcPct val="0"/>
+                  </a:spcAft>
+                  <a:buFont typeface="Wingdings" pitchFamily="2" charset="2"/>
+                  <a:buChar char="§"/>
+                  <a:defRPr sz="3000">
+                    <a:solidFill>
+                      <a:schemeClr val="tx1"/>
+                    </a:solidFill>
+                    <a:latin typeface="Calibri" panose="020F0502020204030204" pitchFamily="34" charset="0"/>
+                    <a:ea typeface="+mn-ea"/>
+                    <a:cs typeface="+mn-cs"/>
+                  </a:defRPr>
+                </a:lvl1pPr>
+                <a:lvl2pPr marL="793750" indent="-271463" algn="l" rtl="0" eaLnBrk="0" fontAlgn="base" hangingPunct="0">
+                  <a:spcBef>
+                    <a:spcPct val="20000"/>
+                  </a:spcBef>
+                  <a:spcAft>
+                    <a:spcPct val="0"/>
+                  </a:spcAft>
+                  <a:buClr>
+                    <a:srgbClr val="000080"/>
+                  </a:buClr>
+                  <a:buFont typeface="Wingdings" pitchFamily="2" charset="2"/>
+                  <a:buChar char="§"/>
+                  <a:defRPr sz="2600">
+                    <a:solidFill>
+                      <a:schemeClr val="tx1"/>
+                    </a:solidFill>
+                    <a:latin typeface="Calibri" panose="020F0502020204030204" pitchFamily="34" charset="0"/>
+                  </a:defRPr>
+                </a:lvl2pPr>
+                <a:lvl3pPr marL="1436688" indent="-363538" algn="l" rtl="0" eaLnBrk="0" fontAlgn="base" hangingPunct="0">
+                  <a:spcBef>
+                    <a:spcPct val="20000"/>
+                  </a:spcBef>
+                  <a:spcAft>
+                    <a:spcPct val="0"/>
+                  </a:spcAft>
+                  <a:buFont typeface="Wingdings" pitchFamily="2" charset="2"/>
+                  <a:buChar char="ð"/>
+                  <a:defRPr sz="2200">
+                    <a:solidFill>
+                      <a:schemeClr val="tx1"/>
+                    </a:solidFill>
+                    <a:latin typeface="Calibri" panose="020F0502020204030204" pitchFamily="34" charset="0"/>
+                  </a:defRPr>
+                </a:lvl3pPr>
+                <a:lvl4pPr marL="1844675" indent="-228600" algn="l" rtl="0" eaLnBrk="0" fontAlgn="base" hangingPunct="0">
+                  <a:spcBef>
+                    <a:spcPct val="20000"/>
+                  </a:spcBef>
+                  <a:spcAft>
+                    <a:spcPct val="0"/>
+                  </a:spcAft>
+                  <a:buChar char="–"/>
+                  <a:defRPr>
+                    <a:solidFill>
+                      <a:schemeClr val="tx1"/>
+                    </a:solidFill>
+                    <a:latin typeface="Calibri" panose="020F0502020204030204" pitchFamily="34" charset="0"/>
+                  </a:defRPr>
+                </a:lvl4pPr>
+                <a:lvl5pPr marL="2252663" indent="-228600" algn="l" rtl="0" eaLnBrk="0" fontAlgn="base" hangingPunct="0">
+                  <a:spcBef>
+                    <a:spcPct val="20000"/>
+                  </a:spcBef>
+                  <a:spcAft>
+                    <a:spcPct val="0"/>
+                  </a:spcAft>
+                  <a:buChar char="»"/>
+                  <a:defRPr sz="1600">
+                    <a:solidFill>
+                      <a:schemeClr val="tx1"/>
+                    </a:solidFill>
+                    <a:latin typeface="Calibri" panose="020F0502020204030204" pitchFamily="34" charset="0"/>
+                  </a:defRPr>
+                </a:lvl5pPr>
+                <a:lvl6pPr marL="2709863" indent="-228600" algn="l" rtl="0" fontAlgn="base">
+                  <a:spcBef>
+                    <a:spcPct val="20000"/>
+                  </a:spcBef>
+                  <a:spcAft>
+                    <a:spcPct val="0"/>
+                  </a:spcAft>
+                  <a:buChar char="»"/>
+                  <a:defRPr sz="1600">
+                    <a:solidFill>
+                      <a:schemeClr val="tx1"/>
+                    </a:solidFill>
+                    <a:latin typeface="+mn-lt"/>
+                  </a:defRPr>
+                </a:lvl6pPr>
+                <a:lvl7pPr marL="3167063" indent="-228600" algn="l" rtl="0" fontAlgn="base">
+                  <a:spcBef>
+                    <a:spcPct val="20000"/>
+                  </a:spcBef>
+                  <a:spcAft>
+                    <a:spcPct val="0"/>
+                  </a:spcAft>
+                  <a:buChar char="»"/>
+                  <a:defRPr sz="1600">
+                    <a:solidFill>
+                      <a:schemeClr val="tx1"/>
+                    </a:solidFill>
+                    <a:latin typeface="+mn-lt"/>
+                  </a:defRPr>
+                </a:lvl7pPr>
+                <a:lvl8pPr marL="3624263" indent="-228600" algn="l" rtl="0" fontAlgn="base">
+                  <a:spcBef>
+                    <a:spcPct val="20000"/>
+                  </a:spcBef>
+                  <a:spcAft>
+                    <a:spcPct val="0"/>
+                  </a:spcAft>
+                  <a:buChar char="»"/>
+                  <a:defRPr sz="1600">
+                    <a:solidFill>
+                      <a:schemeClr val="tx1"/>
+                    </a:solidFill>
+                    <a:latin typeface="+mn-lt"/>
+                  </a:defRPr>
+                </a:lvl8pPr>
+                <a:lvl9pPr marL="4081463" indent="-228600" algn="l" rtl="0" fontAlgn="base">
+                  <a:spcBef>
+                    <a:spcPct val="20000"/>
+                  </a:spcBef>
+                  <a:spcAft>
+                    <a:spcPct val="0"/>
+                  </a:spcAft>
+                  <a:buChar char="»"/>
+                  <a:defRPr sz="1600">
+                    <a:solidFill>
+                      <a:schemeClr val="tx1"/>
+                    </a:solidFill>
+                    <a:latin typeface="+mn-lt"/>
+                  </a:defRPr>
+                </a:lvl9pPr>
+              </a:lstStyle>
+              <a:p>
+                <a:pPr marL="0" indent="0">
+                  <a:buNone/>
+                </a:pPr>
+                <a14:m>
+                  <m:oMathPara xmlns:m="http://schemas.openxmlformats.org/officeDocument/2006/math">
+                    <m:oMathParaPr>
+                      <m:jc m:val="centerGroup"/>
+                    </m:oMathParaPr>
+                    <m:oMath xmlns:m="http://schemas.openxmlformats.org/officeDocument/2006/math">
+                      <m:sSub>
+                        <m:sSubPr>
+                          <m:ctrlPr>
+                            <a:rPr lang="en-GB" sz="2400" i="1" kern="0" smtClean="0">
+                              <a:latin typeface="Cambria Math" panose="02040503050406030204" pitchFamily="18" charset="0"/>
+                            </a:rPr>
+                          </m:ctrlPr>
+                        </m:sSubPr>
+                        <m:e>
+                          <m:r>
+                            <a:rPr lang="en-GB" sz="2400" i="1" kern="0">
+                              <a:latin typeface="Cambria Math" panose="02040503050406030204" pitchFamily="18" charset="0"/>
+                            </a:rPr>
+                            <m:t>𝑦</m:t>
+                          </m:r>
+                        </m:e>
+                        <m:sub>
+                          <m:r>
+                            <a:rPr lang="en-GB" sz="2400" i="1" kern="0">
+                              <a:latin typeface="Cambria Math" panose="02040503050406030204" pitchFamily="18" charset="0"/>
+                            </a:rPr>
+                            <m:t>1</m:t>
+                          </m:r>
+                        </m:sub>
+                      </m:sSub>
+                      <m:r>
+                        <a:rPr lang="en-GB" sz="2400" i="1" kern="0">
+                          <a:latin typeface="Cambria Math" panose="02040503050406030204" pitchFamily="18" charset="0"/>
+                        </a:rPr>
+                        <m:t>,</m:t>
+                      </m:r>
+                      <m:sSub>
+                        <m:sSubPr>
+                          <m:ctrlPr>
+                            <a:rPr lang="en-GB" sz="2400" i="1" kern="0">
+                              <a:latin typeface="Cambria Math" panose="02040503050406030204" pitchFamily="18" charset="0"/>
+                            </a:rPr>
+                          </m:ctrlPr>
+                        </m:sSubPr>
+                        <m:e>
+                          <m:r>
+                            <a:rPr lang="en-GB" sz="2400" i="1" kern="0">
+                              <a:latin typeface="Cambria Math" panose="02040503050406030204" pitchFamily="18" charset="0"/>
+                            </a:rPr>
+                            <m:t>𝑦</m:t>
+                          </m:r>
+                        </m:e>
+                        <m:sub>
+                          <m:r>
+                            <a:rPr lang="en-GB" sz="2400" i="1" kern="0">
+                              <a:latin typeface="Cambria Math" panose="02040503050406030204" pitchFamily="18" charset="0"/>
+                            </a:rPr>
+                            <m:t>2</m:t>
+                          </m:r>
+                        </m:sub>
+                      </m:sSub>
+                      <m:r>
+                        <a:rPr lang="en-GB" sz="2400" i="1" kern="0">
+                          <a:latin typeface="Cambria Math" panose="02040503050406030204" pitchFamily="18" charset="0"/>
+                        </a:rPr>
+                        <m:t>,</m:t>
+                      </m:r>
+                      <m:r>
+                        <a:rPr lang="en-GB" sz="2400" b="0" i="1" kern="0" smtClean="0">
+                          <a:latin typeface="Cambria Math" panose="02040503050406030204" pitchFamily="18" charset="0"/>
+                        </a:rPr>
+                        <m:t> … </m:t>
+                      </m:r>
+                      <m:r>
+                        <a:rPr lang="en-GB" sz="2400" i="1" kern="0">
+                          <a:latin typeface="Cambria Math" panose="02040503050406030204" pitchFamily="18" charset="0"/>
+                        </a:rPr>
+                        <m:t>,</m:t>
+                      </m:r>
+                      <m:sSub>
+                        <m:sSubPr>
+                          <m:ctrlPr>
+                            <a:rPr lang="en-GB" sz="2400" b="0" i="1" kern="0" smtClean="0">
+                              <a:latin typeface="Cambria Math" panose="02040503050406030204" pitchFamily="18" charset="0"/>
+                            </a:rPr>
+                          </m:ctrlPr>
+                        </m:sSubPr>
+                        <m:e>
+                          <m:r>
+                            <a:rPr lang="en-GB" sz="2400" i="1" kern="0">
+                              <a:latin typeface="Cambria Math" panose="02040503050406030204" pitchFamily="18" charset="0"/>
+                            </a:rPr>
+                            <m:t>𝑦</m:t>
+                          </m:r>
+                        </m:e>
+                        <m:sub>
+                          <m:r>
+                            <a:rPr lang="en-GB" sz="2400" b="0" i="1" kern="0" smtClean="0">
+                              <a:latin typeface="Cambria Math" panose="02040503050406030204" pitchFamily="18" charset="0"/>
+                            </a:rPr>
+                            <m:t>𝐾</m:t>
+                          </m:r>
+                        </m:sub>
+                      </m:sSub>
+                      <m:r>
+                        <a:rPr lang="en-GB" sz="2400" i="1" kern="0">
+                          <a:latin typeface="Cambria Math" panose="02040503050406030204" pitchFamily="18" charset="0"/>
+                        </a:rPr>
+                        <m:t>=</m:t>
+                      </m:r>
+                      <m:r>
+                        <a:rPr lang="en-GB" sz="2400" i="1" kern="0">
+                          <a:latin typeface="Cambria Math" panose="02040503050406030204" pitchFamily="18" charset="0"/>
+                        </a:rPr>
+                        <m:t>𝑓</m:t>
+                      </m:r>
+                      <m:r>
+                        <a:rPr lang="en-GB" sz="2400" i="1" kern="0">
+                          <a:latin typeface="Cambria Math" panose="02040503050406030204" pitchFamily="18" charset="0"/>
+                        </a:rPr>
+                        <m:t>(</m:t>
+                      </m:r>
+                      <m:sSub>
+                        <m:sSubPr>
+                          <m:ctrlPr>
+                            <a:rPr lang="en-GB" sz="2400" i="1" kern="0">
+                              <a:latin typeface="Cambria Math" panose="02040503050406030204" pitchFamily="18" charset="0"/>
+                            </a:rPr>
+                          </m:ctrlPr>
+                        </m:sSubPr>
+                        <m:e>
+                          <m:r>
+                            <a:rPr lang="en-GB" sz="2400" i="1" kern="0">
+                              <a:latin typeface="Cambria Math" panose="02040503050406030204" pitchFamily="18" charset="0"/>
+                            </a:rPr>
+                            <m:t>𝑥</m:t>
+                          </m:r>
+                        </m:e>
+                        <m:sub>
+                          <m:r>
+                            <a:rPr lang="en-GB" sz="2400" i="1" kern="0">
+                              <a:latin typeface="Cambria Math" panose="02040503050406030204" pitchFamily="18" charset="0"/>
+                            </a:rPr>
+                            <m:t>1</m:t>
+                          </m:r>
+                        </m:sub>
+                      </m:sSub>
+                      <m:r>
+                        <a:rPr lang="en-GB" sz="2400" i="1" kern="0">
+                          <a:latin typeface="Cambria Math" panose="02040503050406030204" pitchFamily="18" charset="0"/>
+                        </a:rPr>
+                        <m:t>,</m:t>
+                      </m:r>
+                      <m:sSub>
+                        <m:sSubPr>
+                          <m:ctrlPr>
+                            <a:rPr lang="en-GB" sz="2400" i="1" kern="0">
+                              <a:latin typeface="Cambria Math" panose="02040503050406030204" pitchFamily="18" charset="0"/>
+                            </a:rPr>
+                          </m:ctrlPr>
+                        </m:sSubPr>
+                        <m:e>
+                          <m:r>
+                            <a:rPr lang="en-GB" sz="2400" i="1" kern="0">
+                              <a:latin typeface="Cambria Math" panose="02040503050406030204" pitchFamily="18" charset="0"/>
+                            </a:rPr>
+                            <m:t>𝑥</m:t>
+                          </m:r>
+                        </m:e>
+                        <m:sub>
+                          <m:r>
+                            <a:rPr lang="en-GB" sz="2400" i="1" kern="0">
+                              <a:latin typeface="Cambria Math" panose="02040503050406030204" pitchFamily="18" charset="0"/>
+                            </a:rPr>
+                            <m:t>2</m:t>
+                          </m:r>
+                        </m:sub>
+                      </m:sSub>
+                      <m:r>
+                        <a:rPr lang="en-GB" sz="2400" i="1" kern="0">
+                          <a:latin typeface="Cambria Math" panose="02040503050406030204" pitchFamily="18" charset="0"/>
+                        </a:rPr>
+                        <m:t>,...,</m:t>
+                      </m:r>
+                      <m:sSub>
+                        <m:sSubPr>
+                          <m:ctrlPr>
+                            <a:rPr lang="en-GB" sz="2400" i="1" kern="0">
+                              <a:latin typeface="Cambria Math" panose="02040503050406030204" pitchFamily="18" charset="0"/>
+                            </a:rPr>
+                          </m:ctrlPr>
+                        </m:sSubPr>
+                        <m:e>
+                          <m:r>
+                            <a:rPr lang="en-GB" sz="2400" i="1" kern="0">
+                              <a:latin typeface="Cambria Math" panose="02040503050406030204" pitchFamily="18" charset="0"/>
+                            </a:rPr>
+                            <m:t>𝑥</m:t>
+                          </m:r>
+                        </m:e>
+                        <m:sub>
+                          <m:r>
+                            <a:rPr lang="en-GB" sz="2400" i="1" kern="0">
+                              <a:latin typeface="Cambria Math" panose="02040503050406030204" pitchFamily="18" charset="0"/>
+                            </a:rPr>
+                            <m:t>𝑁</m:t>
+                          </m:r>
+                        </m:sub>
+                      </m:sSub>
+                      <m:r>
+                        <a:rPr lang="en-GB" sz="2400" i="1" kern="0">
+                          <a:latin typeface="Cambria Math" panose="02040503050406030204" pitchFamily="18" charset="0"/>
+                        </a:rPr>
+                        <m:t>)</m:t>
+                      </m:r>
+                    </m:oMath>
+                  </m:oMathPara>
+                </a14:m>
+                <a:endParaRPr lang="it-IT" sz="2400" kern="0" dirty="0"/>
+              </a:p>
+            </p:txBody>
+          </p:sp>
+        </mc:Choice>
+        <mc:Fallback>
+          <p:sp>
+            <p:nvSpPr>
+              <p:cNvPr id="15" name="Content Placeholder 2">
+                <a:extLst>
+                  <a:ext uri="{FF2B5EF4-FFF2-40B4-BE49-F238E27FC236}">
+                    <a16:creationId xmlns:a16="http://schemas.microsoft.com/office/drawing/2014/main" id="{B0188984-0E1A-053B-58F1-455849984A02}"/>
+                  </a:ext>
+                </a:extLst>
+              </p:cNvPr>
+              <p:cNvSpPr txBox="1">
+                <a:spLocks noRot="1" noChangeAspect="1" noMove="1" noResize="1" noEditPoints="1" noAdjustHandles="1" noChangeArrowheads="1" noChangeShapeType="1" noTextEdit="1"/>
+              </p:cNvSpPr>
+              <p:nvPr/>
+            </p:nvSpPr>
+            <p:spPr bwMode="auto">
+              <a:xfrm>
+                <a:off x="401805" y="2132549"/>
+                <a:ext cx="4307942" cy="576065"/>
+              </a:xfrm>
+              <a:prstGeom prst="rect">
+                <a:avLst/>
+              </a:prstGeom>
+              <a:blipFill>
+                <a:blip r:embed="rId4"/>
+                <a:stretch>
+                  <a:fillRect r="-566"/>
+                </a:stretch>
+              </a:blipFill>
+              <a:ln w="9525">
+                <a:noFill/>
+                <a:miter lim="800000"/>
+                <a:headEnd/>
+                <a:tailEnd/>
+              </a:ln>
+            </p:spPr>
+            <p:txBody>
+              <a:bodyPr/>
+              <a:lstStyle/>
+              <a:p>
+                <a:r>
+                  <a:rPr lang="it-IT">
+                    <a:noFill/>
+                  </a:rPr>
+                  <a:t> </a:t>
+                </a:r>
+              </a:p>
+            </p:txBody>
+          </p:sp>
+        </mc:Fallback>
+      </mc:AlternateContent>
       <p:sp>
         <p:nvSpPr>
           <p:cNvPr id="2" name="Title 1"/>
@@ -8617,37 +9217,21 @@
         </p:nvSpPr>
         <p:spPr>
           <a:xfrm>
-            <a:off x="250825" y="919531"/>
-            <a:ext cx="8642350" cy="5761038"/>
+            <a:off x="249663" y="3356992"/>
+            <a:ext cx="8642350" cy="576065"/>
           </a:xfrm>
         </p:spPr>
         <p:txBody>
           <a:bodyPr/>
           <a:lstStyle/>
           <a:p>
+            <a:pPr marL="0" indent="0">
+              <a:buNone/>
+            </a:pPr>
             <a:r>
               <a:rPr lang="it-IT" dirty="0"/>
-              <a:t>Spesso è necessario calcolare il logaritmo di un numero</a:t>
-            </a:r>
-          </a:p>
-          <a:p>
-            <a:r>
-              <a:rPr lang="it-IT" dirty="0"/>
-              <a:t>Problema</a:t>
-            </a:r>
-          </a:p>
-          <a:p>
-            <a:pPr lvl="1"/>
-            <a:r>
-              <a:rPr lang="it-IT" dirty="0"/>
-              <a:t>Come calcolare il logaritmo (decimale) di un numero in modo da minimizzare il tempo di calcolo?</a:t>
-            </a:r>
-          </a:p>
-          <a:p>
-            <a:endParaRPr lang="it-IT" dirty="0"/>
-          </a:p>
-          <a:p>
-            <a:endParaRPr lang="it-IT" dirty="0"/>
+              <a:t>Sintesi tradizionale</a:t>
+            </a:r>
           </a:p>
         </p:txBody>
       </p:sp>
@@ -8689,6 +9273,337 @@
             <a:endParaRPr lang="it-IT" sz="1100" dirty="0">
               <a:latin typeface="Calibri" panose="020F0502020204030204" pitchFamily="34" charset="0"/>
             </a:endParaRPr>
+          </a:p>
+        </p:txBody>
+      </p:sp>
+      <p:pic>
+        <p:nvPicPr>
+          <p:cNvPr id="8" name="Picture 7">
+            <a:extLst>
+              <a:ext uri="{FF2B5EF4-FFF2-40B4-BE49-F238E27FC236}">
+                <a16:creationId xmlns:a16="http://schemas.microsoft.com/office/drawing/2014/main" id="{F7D21FFD-38B8-1FC0-B9C0-BF980CCBC8AE}"/>
+              </a:ext>
+            </a:extLst>
+          </p:cNvPr>
+          <p:cNvPicPr>
+            <a:picLocks noChangeAspect="1"/>
+          </p:cNvPicPr>
+          <p:nvPr/>
+        </p:nvPicPr>
+        <p:blipFill>
+          <a:blip r:embed="rId5"/>
+          <a:stretch>
+            <a:fillRect/>
+          </a:stretch>
+        </p:blipFill>
+        <p:spPr>
+          <a:xfrm>
+            <a:off x="4860032" y="1738169"/>
+            <a:ext cx="3618148" cy="1402799"/>
+          </a:xfrm>
+          <a:prstGeom prst="rect">
+            <a:avLst/>
+          </a:prstGeom>
+        </p:spPr>
+      </p:pic>
+      <p:sp>
+        <p:nvSpPr>
+          <p:cNvPr id="12" name="TextBox 11">
+            <a:extLst>
+              <a:ext uri="{FF2B5EF4-FFF2-40B4-BE49-F238E27FC236}">
+                <a16:creationId xmlns:a16="http://schemas.microsoft.com/office/drawing/2014/main" id="{735E8861-E84B-1E93-6B3E-2EDF83A704EC}"/>
+              </a:ext>
+            </a:extLst>
+          </p:cNvPr>
+          <p:cNvSpPr txBox="1"/>
+          <p:nvPr/>
+        </p:nvSpPr>
+        <p:spPr>
+          <a:xfrm>
+            <a:off x="408075" y="4293096"/>
+            <a:ext cx="3553060" cy="1938992"/>
+          </a:xfrm>
+          <a:prstGeom prst="rect">
+            <a:avLst/>
+          </a:prstGeom>
+          <a:noFill/>
+        </p:spPr>
+        <p:txBody>
+          <a:bodyPr wrap="square">
+            <a:spAutoFit/>
+          </a:bodyPr>
+          <a:lstStyle/>
+          <a:p>
+            <a:pPr algn="l"/>
+            <a:r>
+              <a:rPr lang="it-IT" sz="2400" dirty="0">
+                <a:solidFill>
+                  <a:schemeClr val="tx1"/>
+                </a:solidFill>
+                <a:latin typeface="Calibri" panose="020F0502020204030204" pitchFamily="34" charset="0"/>
+              </a:rPr>
+              <a:t>Problemi</a:t>
+            </a:r>
+          </a:p>
+          <a:p>
+            <a:pPr marL="457200" indent="-457200" algn="l">
+              <a:buFont typeface="Arial" panose="020B0604020202020204" pitchFamily="34" charset="0"/>
+              <a:buChar char="•"/>
+            </a:pPr>
+            <a:r>
+              <a:rPr lang="it-IT" sz="2400" dirty="0">
+                <a:solidFill>
+                  <a:schemeClr val="tx1"/>
+                </a:solidFill>
+                <a:latin typeface="Calibri" panose="020F0502020204030204" pitchFamily="34" charset="0"/>
+              </a:rPr>
+              <a:t>dimensioni maggiori</a:t>
+            </a:r>
+          </a:p>
+          <a:p>
+            <a:pPr marL="457200" indent="-457200" algn="l">
+              <a:buFont typeface="Arial" panose="020B0604020202020204" pitchFamily="34" charset="0"/>
+              <a:buChar char="•"/>
+            </a:pPr>
+            <a:r>
+              <a:rPr lang="it-IT" sz="2400" dirty="0">
+                <a:solidFill>
+                  <a:schemeClr val="tx1"/>
+                </a:solidFill>
+                <a:latin typeface="Calibri" panose="020F0502020204030204" pitchFamily="34" charset="0"/>
+              </a:rPr>
+              <a:t>maggiore consumo</a:t>
+            </a:r>
+          </a:p>
+          <a:p>
+            <a:pPr marL="457200" indent="-457200" algn="l">
+              <a:buFont typeface="Arial" panose="020B0604020202020204" pitchFamily="34" charset="0"/>
+              <a:buChar char="•"/>
+            </a:pPr>
+            <a:r>
+              <a:rPr lang="it-IT" sz="2400" dirty="0">
+                <a:solidFill>
+                  <a:schemeClr val="tx1"/>
+                </a:solidFill>
+                <a:latin typeface="Calibri" panose="020F0502020204030204" pitchFamily="34" charset="0"/>
+              </a:rPr>
+              <a:t>milioni </a:t>
+            </a:r>
+            <a:r>
+              <a:rPr lang="it-IT" sz="2400">
+                <a:solidFill>
+                  <a:schemeClr val="tx1"/>
+                </a:solidFill>
+                <a:latin typeface="Calibri" panose="020F0502020204030204" pitchFamily="34" charset="0"/>
+              </a:rPr>
+              <a:t>di stampe dei </a:t>
+            </a:r>
+            <a:r>
+              <a:rPr lang="it-IT" sz="2400" dirty="0">
+                <a:solidFill>
+                  <a:schemeClr val="tx1"/>
+                </a:solidFill>
+                <a:latin typeface="Calibri" panose="020F0502020204030204" pitchFamily="34" charset="0"/>
+              </a:rPr>
+              <a:t>circuiti sintetizzati</a:t>
+            </a:r>
+          </a:p>
+        </p:txBody>
+      </p:sp>
+      <p:sp>
+        <p:nvSpPr>
+          <p:cNvPr id="24" name="Content Placeholder 2">
+            <a:extLst>
+              <a:ext uri="{FF2B5EF4-FFF2-40B4-BE49-F238E27FC236}">
+                <a16:creationId xmlns:a16="http://schemas.microsoft.com/office/drawing/2014/main" id="{0B742542-1F82-0252-73F9-CC80AE37D2DB}"/>
+              </a:ext>
+            </a:extLst>
+          </p:cNvPr>
+          <p:cNvSpPr txBox="1">
+            <a:spLocks/>
+          </p:cNvSpPr>
+          <p:nvPr/>
+        </p:nvSpPr>
+        <p:spPr bwMode="auto">
+          <a:xfrm>
+            <a:off x="251520" y="1124744"/>
+            <a:ext cx="8642350" cy="576065"/>
+          </a:xfrm>
+          <a:prstGeom prst="rect">
+            <a:avLst/>
+          </a:prstGeom>
+          <a:noFill/>
+          <a:ln w="9525">
+            <a:noFill/>
+            <a:miter lim="800000"/>
+            <a:headEnd/>
+            <a:tailEnd/>
+          </a:ln>
+        </p:spPr>
+        <p:txBody>
+          <a:bodyPr vert="horz" wrap="square" lIns="91440" tIns="45720" rIns="91440" bIns="45720" numCol="1" anchor="t" anchorCtr="0" compatLnSpc="1">
+            <a:prstTxWarp prst="textNoShape">
+              <a:avLst/>
+            </a:prstTxWarp>
+          </a:bodyPr>
+          <a:lstStyle>
+            <a:lvl1pPr marL="342900" indent="-342900" algn="l" rtl="0" eaLnBrk="0" fontAlgn="base" hangingPunct="0">
+              <a:spcBef>
+                <a:spcPct val="20000"/>
+              </a:spcBef>
+              <a:spcAft>
+                <a:spcPct val="0"/>
+              </a:spcAft>
+              <a:buFont typeface="Wingdings" pitchFamily="2" charset="2"/>
+              <a:buChar char="§"/>
+              <a:defRPr sz="3000">
+                <a:solidFill>
+                  <a:schemeClr val="tx1"/>
+                </a:solidFill>
+                <a:latin typeface="Calibri" panose="020F0502020204030204" pitchFamily="34" charset="0"/>
+                <a:ea typeface="+mn-ea"/>
+                <a:cs typeface="+mn-cs"/>
+              </a:defRPr>
+            </a:lvl1pPr>
+            <a:lvl2pPr marL="793750" indent="-271463" algn="l" rtl="0" eaLnBrk="0" fontAlgn="base" hangingPunct="0">
+              <a:spcBef>
+                <a:spcPct val="20000"/>
+              </a:spcBef>
+              <a:spcAft>
+                <a:spcPct val="0"/>
+              </a:spcAft>
+              <a:buClr>
+                <a:srgbClr val="000080"/>
+              </a:buClr>
+              <a:buFont typeface="Wingdings" pitchFamily="2" charset="2"/>
+              <a:buChar char="§"/>
+              <a:defRPr sz="2600">
+                <a:solidFill>
+                  <a:schemeClr val="tx1"/>
+                </a:solidFill>
+                <a:latin typeface="Calibri" panose="020F0502020204030204" pitchFamily="34" charset="0"/>
+              </a:defRPr>
+            </a:lvl2pPr>
+            <a:lvl3pPr marL="1436688" indent="-363538" algn="l" rtl="0" eaLnBrk="0" fontAlgn="base" hangingPunct="0">
+              <a:spcBef>
+                <a:spcPct val="20000"/>
+              </a:spcBef>
+              <a:spcAft>
+                <a:spcPct val="0"/>
+              </a:spcAft>
+              <a:buFont typeface="Wingdings" pitchFamily="2" charset="2"/>
+              <a:buChar char="ð"/>
+              <a:defRPr sz="2200">
+                <a:solidFill>
+                  <a:schemeClr val="tx1"/>
+                </a:solidFill>
+                <a:latin typeface="Calibri" panose="020F0502020204030204" pitchFamily="34" charset="0"/>
+              </a:defRPr>
+            </a:lvl3pPr>
+            <a:lvl4pPr marL="1844675" indent="-228600" algn="l" rtl="0" eaLnBrk="0" fontAlgn="base" hangingPunct="0">
+              <a:spcBef>
+                <a:spcPct val="20000"/>
+              </a:spcBef>
+              <a:spcAft>
+                <a:spcPct val="0"/>
+              </a:spcAft>
+              <a:buChar char="–"/>
+              <a:defRPr>
+                <a:solidFill>
+                  <a:schemeClr val="tx1"/>
+                </a:solidFill>
+                <a:latin typeface="Calibri" panose="020F0502020204030204" pitchFamily="34" charset="0"/>
+              </a:defRPr>
+            </a:lvl4pPr>
+            <a:lvl5pPr marL="2252663" indent="-228600" algn="l" rtl="0" eaLnBrk="0" fontAlgn="base" hangingPunct="0">
+              <a:spcBef>
+                <a:spcPct val="20000"/>
+              </a:spcBef>
+              <a:spcAft>
+                <a:spcPct val="0"/>
+              </a:spcAft>
+              <a:buChar char="»"/>
+              <a:defRPr sz="1600">
+                <a:solidFill>
+                  <a:schemeClr val="tx1"/>
+                </a:solidFill>
+                <a:latin typeface="Calibri" panose="020F0502020204030204" pitchFamily="34" charset="0"/>
+              </a:defRPr>
+            </a:lvl5pPr>
+            <a:lvl6pPr marL="2709863" indent="-228600" algn="l" rtl="0" fontAlgn="base">
+              <a:spcBef>
+                <a:spcPct val="20000"/>
+              </a:spcBef>
+              <a:spcAft>
+                <a:spcPct val="0"/>
+              </a:spcAft>
+              <a:buChar char="»"/>
+              <a:defRPr sz="1600">
+                <a:solidFill>
+                  <a:schemeClr val="tx1"/>
+                </a:solidFill>
+                <a:latin typeface="+mn-lt"/>
+              </a:defRPr>
+            </a:lvl6pPr>
+            <a:lvl7pPr marL="3167063" indent="-228600" algn="l" rtl="0" fontAlgn="base">
+              <a:spcBef>
+                <a:spcPct val="20000"/>
+              </a:spcBef>
+              <a:spcAft>
+                <a:spcPct val="0"/>
+              </a:spcAft>
+              <a:buChar char="»"/>
+              <a:defRPr sz="1600">
+                <a:solidFill>
+                  <a:schemeClr val="tx1"/>
+                </a:solidFill>
+                <a:latin typeface="+mn-lt"/>
+              </a:defRPr>
+            </a:lvl7pPr>
+            <a:lvl8pPr marL="3624263" indent="-228600" algn="l" rtl="0" fontAlgn="base">
+              <a:spcBef>
+                <a:spcPct val="20000"/>
+              </a:spcBef>
+              <a:spcAft>
+                <a:spcPct val="0"/>
+              </a:spcAft>
+              <a:buChar char="»"/>
+              <a:defRPr sz="1600">
+                <a:solidFill>
+                  <a:schemeClr val="tx1"/>
+                </a:solidFill>
+                <a:latin typeface="+mn-lt"/>
+              </a:defRPr>
+            </a:lvl8pPr>
+            <a:lvl9pPr marL="4081463" indent="-228600" algn="l" rtl="0" fontAlgn="base">
+              <a:spcBef>
+                <a:spcPct val="20000"/>
+              </a:spcBef>
+              <a:spcAft>
+                <a:spcPct val="0"/>
+              </a:spcAft>
+              <a:buChar char="»"/>
+              <a:defRPr sz="1600">
+                <a:solidFill>
+                  <a:schemeClr val="tx1"/>
+                </a:solidFill>
+                <a:latin typeface="+mn-lt"/>
+              </a:defRPr>
+            </a:lvl9pPr>
+          </a:lstStyle>
+          <a:p>
+            <a:pPr marL="0" indent="0">
+              <a:buFont typeface="Wingdings" pitchFamily="2" charset="2"/>
+              <a:buNone/>
+            </a:pPr>
+            <a:r>
+              <a:rPr lang="en-GB" kern="0" dirty="0"/>
+              <a:t>Da f</a:t>
+            </a:r>
+            <a:r>
+              <a:rPr lang="it-IT" kern="0" dirty="0"/>
+              <a:t>unzione booleana a rete combinatoria</a:t>
+            </a:r>
           </a:p>
         </p:txBody>
       </p:sp>
@@ -8739,75 +9654,7 @@
           <a:p>
             <a:r>
               <a:rPr lang="it-IT" dirty="0"/>
-              <a:t>Soluzioni</a:t>
-            </a:r>
-          </a:p>
-        </p:txBody>
-      </p:sp>
-      <p:sp>
-        <p:nvSpPr>
-          <p:cNvPr id="3" name="Content Placeholder 2"/>
-          <p:cNvSpPr>
-            <a:spLocks noGrp="1"/>
-          </p:cNvSpPr>
-          <p:nvPr>
-            <p:ph idx="1"/>
-          </p:nvPr>
-        </p:nvSpPr>
-        <p:spPr/>
-        <p:txBody>
-          <a:bodyPr/>
-          <a:lstStyle/>
-          <a:p>
-            <a:r>
-              <a:rPr lang="it-IT" dirty="0"/>
-              <a:t>Metodo tabellare</a:t>
-            </a:r>
-          </a:p>
-          <a:p>
-            <a:pPr lvl="1"/>
-            <a:r>
-              <a:rPr lang="it-IT" dirty="0"/>
-              <a:t>Consultazione di tabella pre-compilata </a:t>
-            </a:r>
-          </a:p>
-          <a:p>
-            <a:r>
-              <a:rPr lang="it-IT" dirty="0"/>
-              <a:t>Regolo Calcolatore</a:t>
-            </a:r>
-          </a:p>
-          <a:p>
-            <a:pPr lvl="1"/>
-            <a:r>
-              <a:rPr lang="it-IT" dirty="0"/>
-              <a:t>Calcolo mediante l’uso del regolo calcolatore</a:t>
-            </a:r>
-          </a:p>
-          <a:p>
-            <a:r>
-              <a:rPr lang="it-IT" dirty="0"/>
-              <a:t>Smartphone</a:t>
-            </a:r>
-          </a:p>
-          <a:p>
-            <a:pPr lvl="1"/>
-            <a:r>
-              <a:rPr lang="it-IT" dirty="0"/>
-              <a:t>Utilizzo della calcolatrice disponibile sullo smartphone</a:t>
-            </a:r>
-          </a:p>
-          <a:p>
-            <a:r>
-              <a:rPr lang="it-IT" dirty="0"/>
-              <a:t>Programma</a:t>
-            </a:r>
-          </a:p>
-          <a:p>
-            <a:pPr lvl="1"/>
-            <a:r>
-              <a:rPr lang="it-IT" dirty="0"/>
-              <a:t>Scrittura ed esecuzione di un programma in C++</a:t>
+              <a:t>Soluzione</a:t>
             </a:r>
           </a:p>
         </p:txBody>
@@ -8853,10 +9700,427 @@
           </a:p>
         </p:txBody>
       </p:sp>
+      <p:grpSp>
+        <p:nvGrpSpPr>
+          <p:cNvPr id="39" name="Group 38">
+            <a:extLst>
+              <a:ext uri="{FF2B5EF4-FFF2-40B4-BE49-F238E27FC236}">
+                <a16:creationId xmlns:a16="http://schemas.microsoft.com/office/drawing/2014/main" id="{FA99B5DA-0069-CA7D-3111-DBD433D2CC9A}"/>
+              </a:ext>
+            </a:extLst>
+          </p:cNvPr>
+          <p:cNvGrpSpPr/>
+          <p:nvPr/>
+        </p:nvGrpSpPr>
+        <p:grpSpPr>
+          <a:xfrm>
+            <a:off x="3347864" y="3758437"/>
+            <a:ext cx="5328089" cy="2622541"/>
+            <a:chOff x="2195736" y="3758437"/>
+            <a:chExt cx="5328089" cy="2622541"/>
+          </a:xfrm>
+        </p:grpSpPr>
+        <p:pic>
+          <p:nvPicPr>
+            <p:cNvPr id="20" name="Picture 19">
+              <a:extLst>
+                <a:ext uri="{FF2B5EF4-FFF2-40B4-BE49-F238E27FC236}">
+                  <a16:creationId xmlns:a16="http://schemas.microsoft.com/office/drawing/2014/main" id="{574232CA-C68B-5B50-4393-27D8CC909868}"/>
+                </a:ext>
+              </a:extLst>
+            </p:cNvPr>
+            <p:cNvPicPr>
+              <a:picLocks noChangeAspect="1"/>
+            </p:cNvPicPr>
+            <p:nvPr/>
+          </p:nvPicPr>
+          <p:blipFill>
+            <a:blip r:embed="rId3"/>
+            <a:stretch>
+              <a:fillRect/>
+            </a:stretch>
+          </p:blipFill>
+          <p:spPr>
+            <a:xfrm>
+              <a:off x="2267744" y="3758437"/>
+              <a:ext cx="2194247" cy="1254739"/>
+            </a:xfrm>
+            <a:prstGeom prst="rect">
+              <a:avLst/>
+            </a:prstGeom>
+          </p:spPr>
+        </p:pic>
+        <p:pic>
+          <p:nvPicPr>
+            <p:cNvPr id="22" name="Picture 21">
+              <a:extLst>
+                <a:ext uri="{FF2B5EF4-FFF2-40B4-BE49-F238E27FC236}">
+                  <a16:creationId xmlns:a16="http://schemas.microsoft.com/office/drawing/2014/main" id="{BD135507-9230-1B37-8520-F6F8C446B751}"/>
+                </a:ext>
+              </a:extLst>
+            </p:cNvPr>
+            <p:cNvPicPr>
+              <a:picLocks noChangeAspect="1"/>
+            </p:cNvPicPr>
+            <p:nvPr/>
+          </p:nvPicPr>
+          <p:blipFill>
+            <a:blip r:embed="rId4"/>
+            <a:stretch>
+              <a:fillRect/>
+            </a:stretch>
+          </p:blipFill>
+          <p:spPr>
+            <a:xfrm>
+              <a:off x="2195736" y="5049298"/>
+              <a:ext cx="2141709" cy="1270191"/>
+            </a:xfrm>
+            <a:prstGeom prst="rect">
+              <a:avLst/>
+            </a:prstGeom>
+          </p:spPr>
+        </p:pic>
+        <p:pic>
+          <p:nvPicPr>
+            <p:cNvPr id="30" name="Picture 29">
+              <a:extLst>
+                <a:ext uri="{FF2B5EF4-FFF2-40B4-BE49-F238E27FC236}">
+                  <a16:creationId xmlns:a16="http://schemas.microsoft.com/office/drawing/2014/main" id="{95B40D42-C339-2B54-98E2-B7BB3709F1D3}"/>
+                </a:ext>
+              </a:extLst>
+            </p:cNvPr>
+            <p:cNvPicPr>
+              <a:picLocks noChangeAspect="1"/>
+            </p:cNvPicPr>
+            <p:nvPr/>
+          </p:nvPicPr>
+          <p:blipFill>
+            <a:blip r:embed="rId5"/>
+            <a:stretch>
+              <a:fillRect/>
+            </a:stretch>
+          </p:blipFill>
+          <p:spPr>
+            <a:xfrm>
+              <a:off x="4931428" y="3758437"/>
+              <a:ext cx="2592397" cy="2622541"/>
+            </a:xfrm>
+            <a:prstGeom prst="rect">
+              <a:avLst/>
+            </a:prstGeom>
+          </p:spPr>
+        </p:pic>
+        <p:cxnSp>
+          <p:nvCxnSpPr>
+            <p:cNvPr id="32" name="Straight Arrow Connector 31">
+              <a:extLst>
+                <a:ext uri="{FF2B5EF4-FFF2-40B4-BE49-F238E27FC236}">
+                  <a16:creationId xmlns:a16="http://schemas.microsoft.com/office/drawing/2014/main" id="{AD5C6BE9-FABE-4412-3124-9EBCBFB726E3}"/>
+                </a:ext>
+              </a:extLst>
+            </p:cNvPr>
+            <p:cNvCxnSpPr>
+              <a:cxnSpLocks/>
+            </p:cNvCxnSpPr>
+            <p:nvPr/>
+          </p:nvCxnSpPr>
+          <p:spPr bwMode="auto">
+            <a:xfrm>
+              <a:off x="4317975" y="4997152"/>
+              <a:ext cx="398041" cy="0"/>
+            </a:xfrm>
+            <a:prstGeom prst="straightConnector1">
+              <a:avLst/>
+            </a:prstGeom>
+            <a:solidFill>
+              <a:schemeClr val="accent1"/>
+            </a:solidFill>
+            <a:ln w="38100" cap="flat" cmpd="sng" algn="ctr">
+              <a:solidFill>
+                <a:schemeClr val="tx1"/>
+              </a:solidFill>
+              <a:prstDash val="solid"/>
+              <a:round/>
+              <a:headEnd type="none" w="med" len="med"/>
+              <a:tailEnd type="triangle"/>
+            </a:ln>
+            <a:effectLst/>
+          </p:spPr>
+        </p:cxnSp>
+      </p:grpSp>
+      <p:sp>
+        <p:nvSpPr>
+          <p:cNvPr id="34" name="Content Placeholder 2">
+            <a:extLst>
+              <a:ext uri="{FF2B5EF4-FFF2-40B4-BE49-F238E27FC236}">
+                <a16:creationId xmlns:a16="http://schemas.microsoft.com/office/drawing/2014/main" id="{50A45BF6-AC58-4069-D3DD-2B8B564A9E4A}"/>
+              </a:ext>
+            </a:extLst>
+          </p:cNvPr>
+          <p:cNvSpPr>
+            <a:spLocks noGrp="1"/>
+          </p:cNvSpPr>
+          <p:nvPr>
+            <p:ph idx="1"/>
+          </p:nvPr>
+        </p:nvSpPr>
+        <p:spPr>
+          <a:xfrm>
+            <a:off x="469226" y="2119202"/>
+            <a:ext cx="3527889" cy="576065"/>
+          </a:xfrm>
+        </p:spPr>
+        <p:txBody>
+          <a:bodyPr/>
+          <a:lstStyle/>
+          <a:p>
+            <a:pPr marL="0" indent="0">
+              <a:buNone/>
+            </a:pPr>
+            <a:r>
+              <a:rPr lang="it-IT" dirty="0"/>
+              <a:t>Modello matematico</a:t>
+            </a:r>
+          </a:p>
+        </p:txBody>
+      </p:sp>
+      <p:sp>
+        <p:nvSpPr>
+          <p:cNvPr id="35" name="Content Placeholder 2">
+            <a:extLst>
+              <a:ext uri="{FF2B5EF4-FFF2-40B4-BE49-F238E27FC236}">
+                <a16:creationId xmlns:a16="http://schemas.microsoft.com/office/drawing/2014/main" id="{65EF9804-BAD2-98CD-3DF1-732E814413AB}"/>
+              </a:ext>
+            </a:extLst>
+          </p:cNvPr>
+          <p:cNvSpPr txBox="1">
+            <a:spLocks/>
+          </p:cNvSpPr>
+          <p:nvPr/>
+        </p:nvSpPr>
+        <p:spPr bwMode="auto">
+          <a:xfrm>
+            <a:off x="468047" y="4709119"/>
+            <a:ext cx="2270236" cy="576065"/>
+          </a:xfrm>
+          <a:prstGeom prst="rect">
+            <a:avLst/>
+          </a:prstGeom>
+          <a:noFill/>
+          <a:ln w="9525">
+            <a:noFill/>
+            <a:miter lim="800000"/>
+            <a:headEnd/>
+            <a:tailEnd/>
+          </a:ln>
+        </p:spPr>
+        <p:txBody>
+          <a:bodyPr vert="horz" wrap="square" lIns="91440" tIns="45720" rIns="91440" bIns="45720" numCol="1" anchor="t" anchorCtr="0" compatLnSpc="1">
+            <a:prstTxWarp prst="textNoShape">
+              <a:avLst/>
+            </a:prstTxWarp>
+          </a:bodyPr>
+          <a:lstStyle>
+            <a:lvl1pPr marL="342900" indent="-342900" algn="l" rtl="0" eaLnBrk="0" fontAlgn="base" hangingPunct="0">
+              <a:spcBef>
+                <a:spcPct val="20000"/>
+              </a:spcBef>
+              <a:spcAft>
+                <a:spcPct val="0"/>
+              </a:spcAft>
+              <a:buFont typeface="Wingdings" pitchFamily="2" charset="2"/>
+              <a:buChar char="§"/>
+              <a:defRPr sz="3000">
+                <a:solidFill>
+                  <a:schemeClr val="tx1"/>
+                </a:solidFill>
+                <a:latin typeface="Calibri" panose="020F0502020204030204" pitchFamily="34" charset="0"/>
+                <a:ea typeface="+mn-ea"/>
+                <a:cs typeface="+mn-cs"/>
+              </a:defRPr>
+            </a:lvl1pPr>
+            <a:lvl2pPr marL="793750" indent="-271463" algn="l" rtl="0" eaLnBrk="0" fontAlgn="base" hangingPunct="0">
+              <a:spcBef>
+                <a:spcPct val="20000"/>
+              </a:spcBef>
+              <a:spcAft>
+                <a:spcPct val="0"/>
+              </a:spcAft>
+              <a:buClr>
+                <a:srgbClr val="000080"/>
+              </a:buClr>
+              <a:buFont typeface="Wingdings" pitchFamily="2" charset="2"/>
+              <a:buChar char="§"/>
+              <a:defRPr sz="2600">
+                <a:solidFill>
+                  <a:schemeClr val="tx1"/>
+                </a:solidFill>
+                <a:latin typeface="Calibri" panose="020F0502020204030204" pitchFamily="34" charset="0"/>
+              </a:defRPr>
+            </a:lvl2pPr>
+            <a:lvl3pPr marL="1436688" indent="-363538" algn="l" rtl="0" eaLnBrk="0" fontAlgn="base" hangingPunct="0">
+              <a:spcBef>
+                <a:spcPct val="20000"/>
+              </a:spcBef>
+              <a:spcAft>
+                <a:spcPct val="0"/>
+              </a:spcAft>
+              <a:buFont typeface="Wingdings" pitchFamily="2" charset="2"/>
+              <a:buChar char="ð"/>
+              <a:defRPr sz="2200">
+                <a:solidFill>
+                  <a:schemeClr val="tx1"/>
+                </a:solidFill>
+                <a:latin typeface="Calibri" panose="020F0502020204030204" pitchFamily="34" charset="0"/>
+              </a:defRPr>
+            </a:lvl3pPr>
+            <a:lvl4pPr marL="1844675" indent="-228600" algn="l" rtl="0" eaLnBrk="0" fontAlgn="base" hangingPunct="0">
+              <a:spcBef>
+                <a:spcPct val="20000"/>
+              </a:spcBef>
+              <a:spcAft>
+                <a:spcPct val="0"/>
+              </a:spcAft>
+              <a:buChar char="–"/>
+              <a:defRPr>
+                <a:solidFill>
+                  <a:schemeClr val="tx1"/>
+                </a:solidFill>
+                <a:latin typeface="Calibri" panose="020F0502020204030204" pitchFamily="34" charset="0"/>
+              </a:defRPr>
+            </a:lvl4pPr>
+            <a:lvl5pPr marL="2252663" indent="-228600" algn="l" rtl="0" eaLnBrk="0" fontAlgn="base" hangingPunct="0">
+              <a:spcBef>
+                <a:spcPct val="20000"/>
+              </a:spcBef>
+              <a:spcAft>
+                <a:spcPct val="0"/>
+              </a:spcAft>
+              <a:buChar char="»"/>
+              <a:defRPr sz="1600">
+                <a:solidFill>
+                  <a:schemeClr val="tx1"/>
+                </a:solidFill>
+                <a:latin typeface="Calibri" panose="020F0502020204030204" pitchFamily="34" charset="0"/>
+              </a:defRPr>
+            </a:lvl5pPr>
+            <a:lvl6pPr marL="2709863" indent="-228600" algn="l" rtl="0" fontAlgn="base">
+              <a:spcBef>
+                <a:spcPct val="20000"/>
+              </a:spcBef>
+              <a:spcAft>
+                <a:spcPct val="0"/>
+              </a:spcAft>
+              <a:buChar char="»"/>
+              <a:defRPr sz="1600">
+                <a:solidFill>
+                  <a:schemeClr val="tx1"/>
+                </a:solidFill>
+                <a:latin typeface="+mn-lt"/>
+              </a:defRPr>
+            </a:lvl6pPr>
+            <a:lvl7pPr marL="3167063" indent="-228600" algn="l" rtl="0" fontAlgn="base">
+              <a:spcBef>
+                <a:spcPct val="20000"/>
+              </a:spcBef>
+              <a:spcAft>
+                <a:spcPct val="0"/>
+              </a:spcAft>
+              <a:buChar char="»"/>
+              <a:defRPr sz="1600">
+                <a:solidFill>
+                  <a:schemeClr val="tx1"/>
+                </a:solidFill>
+                <a:latin typeface="+mn-lt"/>
+              </a:defRPr>
+            </a:lvl7pPr>
+            <a:lvl8pPr marL="3624263" indent="-228600" algn="l" rtl="0" fontAlgn="base">
+              <a:spcBef>
+                <a:spcPct val="20000"/>
+              </a:spcBef>
+              <a:spcAft>
+                <a:spcPct val="0"/>
+              </a:spcAft>
+              <a:buChar char="»"/>
+              <a:defRPr sz="1600">
+                <a:solidFill>
+                  <a:schemeClr val="tx1"/>
+                </a:solidFill>
+                <a:latin typeface="+mn-lt"/>
+              </a:defRPr>
+            </a:lvl8pPr>
+            <a:lvl9pPr marL="4081463" indent="-228600" algn="l" rtl="0" fontAlgn="base">
+              <a:spcBef>
+                <a:spcPct val="20000"/>
+              </a:spcBef>
+              <a:spcAft>
+                <a:spcPct val="0"/>
+              </a:spcAft>
+              <a:buChar char="»"/>
+              <a:defRPr sz="1600">
+                <a:solidFill>
+                  <a:schemeClr val="tx1"/>
+                </a:solidFill>
+                <a:latin typeface="+mn-lt"/>
+              </a:defRPr>
+            </a:lvl9pPr>
+          </a:lstStyle>
+          <a:p>
+            <a:pPr marL="0" indent="0">
+              <a:buFont typeface="Wingdings" pitchFamily="2" charset="2"/>
+              <a:buNone/>
+            </a:pPr>
+            <a:r>
+              <a:rPr lang="it-IT" dirty="0">
+                <a:latin typeface="Google Sans"/>
+              </a:rPr>
+              <a:t>C</a:t>
+            </a:r>
+            <a:r>
+              <a:rPr lang="it-IT" b="0" i="0" dirty="0">
+                <a:effectLst/>
+                <a:latin typeface="Google Sans"/>
+              </a:rPr>
+              <a:t>onseguenza</a:t>
+            </a:r>
+            <a:endParaRPr lang="it-IT" kern="0" dirty="0"/>
+          </a:p>
+        </p:txBody>
+      </p:sp>
+      <p:pic>
+        <p:nvPicPr>
+          <p:cNvPr id="37" name="Picture 36">
+            <a:extLst>
+              <a:ext uri="{FF2B5EF4-FFF2-40B4-BE49-F238E27FC236}">
+                <a16:creationId xmlns:a16="http://schemas.microsoft.com/office/drawing/2014/main" id="{A37FEB3A-C853-69FB-BBDA-E6F3B1EA0C92}"/>
+              </a:ext>
+            </a:extLst>
+          </p:cNvPr>
+          <p:cNvPicPr>
+            <a:picLocks noChangeAspect="1"/>
+          </p:cNvPicPr>
+          <p:nvPr/>
+        </p:nvPicPr>
+        <p:blipFill>
+          <a:blip r:embed="rId6"/>
+          <a:stretch>
+            <a:fillRect/>
+          </a:stretch>
+        </p:blipFill>
+        <p:spPr>
+          <a:xfrm>
+            <a:off x="4829727" y="1529487"/>
+            <a:ext cx="2190545" cy="1755497"/>
+          </a:xfrm>
+          <a:prstGeom prst="rect">
+            <a:avLst/>
+          </a:prstGeom>
+        </p:spPr>
+      </p:pic>
     </p:spTree>
     <p:extLst>
       <p:ext uri="{BB962C8B-B14F-4D97-AF65-F5344CB8AC3E}">
-        <p14:creationId xmlns:p14="http://schemas.microsoft.com/office/powerpoint/2010/main" val="2118626836"/>
+        <p14:creationId xmlns:p14="http://schemas.microsoft.com/office/powerpoint/2010/main" val="766813612"/>
       </p:ext>
     </p:extLst>
   </p:cSld>
@@ -8907,91 +10171,6 @@
       </p:sp>
       <p:sp>
         <p:nvSpPr>
-          <p:cNvPr id="3" name="Content Placeholder 2"/>
-          <p:cNvSpPr>
-            <a:spLocks noGrp="1"/>
-          </p:cNvSpPr>
-          <p:nvPr>
-            <p:ph idx="1"/>
-          </p:nvPr>
-        </p:nvSpPr>
-        <p:spPr/>
-        <p:txBody>
-          <a:bodyPr/>
-          <a:lstStyle/>
-          <a:p>
-            <a:r>
-              <a:rPr lang="it-IT" dirty="0"/>
-              <a:t>Tempi di calcolo sperimentati con le varie soluzioni</a:t>
-            </a:r>
-          </a:p>
-          <a:p>
-            <a:pPr lvl="1"/>
-            <a:r>
-              <a:rPr lang="it-IT" dirty="0"/>
-              <a:t>Metodo Tabellare</a:t>
-            </a:r>
-          </a:p>
-          <a:p>
-            <a:pPr lvl="2"/>
-            <a:r>
-              <a:rPr lang="it-IT" dirty="0"/>
-              <a:t>Tabella non disponibile</a:t>
-            </a:r>
-          </a:p>
-          <a:p>
-            <a:pPr lvl="1"/>
-            <a:r>
-              <a:rPr lang="it-IT" dirty="0"/>
-              <a:t>Regolo Calcolatore</a:t>
-            </a:r>
-          </a:p>
-          <a:p>
-            <a:pPr lvl="2"/>
-            <a:r>
-              <a:rPr lang="it-IT" dirty="0"/>
-              <a:t>Metodo sconosciuto</a:t>
-            </a:r>
-          </a:p>
-          <a:p>
-            <a:pPr lvl="1"/>
-            <a:r>
-              <a:rPr lang="it-IT" dirty="0"/>
-              <a:t>Smartphone</a:t>
-            </a:r>
-          </a:p>
-          <a:p>
-            <a:pPr lvl="2"/>
-            <a:r>
-              <a:rPr lang="it-IT" dirty="0"/>
-              <a:t>1 sec</a:t>
-            </a:r>
-          </a:p>
-          <a:p>
-            <a:pPr lvl="1"/>
-            <a:r>
-              <a:rPr lang="it-IT" dirty="0"/>
-              <a:t>Programma in C++</a:t>
-            </a:r>
-          </a:p>
-          <a:p>
-            <a:pPr lvl="2"/>
-            <a:r>
-              <a:rPr lang="it-IT" dirty="0"/>
-              <a:t>2 sec per esecuzione</a:t>
-            </a:r>
-          </a:p>
-          <a:p>
-            <a:pPr lvl="2"/>
-            <a:r>
-              <a:rPr lang="it-IT" dirty="0"/>
-              <a:t>1 giorno per scrivere e debuggare algoritmo</a:t>
-            </a:r>
-          </a:p>
-        </p:txBody>
-      </p:sp>
-      <p:sp>
-        <p:nvSpPr>
           <p:cNvPr id="4" name="Segnaposto piè di pagina 3"/>
           <p:cNvSpPr txBox="1">
             <a:spLocks/>
@@ -9031,6 +10210,155 @@
           </a:p>
         </p:txBody>
       </p:sp>
+      <p:sp>
+        <p:nvSpPr>
+          <p:cNvPr id="7" name="TextBox 6">
+            <a:extLst>
+              <a:ext uri="{FF2B5EF4-FFF2-40B4-BE49-F238E27FC236}">
+                <a16:creationId xmlns:a16="http://schemas.microsoft.com/office/drawing/2014/main" id="{057754BE-B8E4-6E31-AA3A-B02FDF57A089}"/>
+              </a:ext>
+            </a:extLst>
+          </p:cNvPr>
+          <p:cNvSpPr txBox="1"/>
+          <p:nvPr/>
+        </p:nvSpPr>
+        <p:spPr>
+          <a:xfrm>
+            <a:off x="1119352" y="1338887"/>
+            <a:ext cx="6905295" cy="1077218"/>
+          </a:xfrm>
+          <a:prstGeom prst="rect">
+            <a:avLst/>
+          </a:prstGeom>
+          <a:noFill/>
+        </p:spPr>
+        <p:txBody>
+          <a:bodyPr wrap="square">
+            <a:spAutoFit/>
+          </a:bodyPr>
+          <a:lstStyle/>
+          <a:p>
+            <a:pPr marL="0" indent="0" algn="ctr">
+              <a:buNone/>
+            </a:pPr>
+            <a:r>
+              <a:rPr lang="it-IT" sz="3200" dirty="0">
+                <a:solidFill>
+                  <a:schemeClr val="tx1"/>
+                </a:solidFill>
+                <a:latin typeface="Calibri" panose="020F0502020204030204" pitchFamily="34" charset="0"/>
+                <a:cs typeface="Calibri" panose="020F0502020204030204" pitchFamily="34" charset="0"/>
+              </a:rPr>
+              <a:t>Miglioramento percentuale medio al variare delle uscite</a:t>
+            </a:r>
+          </a:p>
+        </p:txBody>
+      </p:sp>
+      <p:grpSp>
+        <p:nvGrpSpPr>
+          <p:cNvPr id="5" name="Group 4">
+            <a:extLst>
+              <a:ext uri="{FF2B5EF4-FFF2-40B4-BE49-F238E27FC236}">
+                <a16:creationId xmlns:a16="http://schemas.microsoft.com/office/drawing/2014/main" id="{8FDB2B99-4507-4876-7346-3E5D964A3005}"/>
+              </a:ext>
+            </a:extLst>
+          </p:cNvPr>
+          <p:cNvGrpSpPr/>
+          <p:nvPr/>
+        </p:nvGrpSpPr>
+        <p:grpSpPr>
+          <a:xfrm>
+            <a:off x="1043608" y="2679282"/>
+            <a:ext cx="7740910" cy="3702046"/>
+            <a:chOff x="1043608" y="2348880"/>
+            <a:chExt cx="7740910" cy="3702046"/>
+          </a:xfrm>
+        </p:grpSpPr>
+        <p:pic>
+          <p:nvPicPr>
+            <p:cNvPr id="13" name="Picture 12">
+              <a:extLst>
+                <a:ext uri="{FF2B5EF4-FFF2-40B4-BE49-F238E27FC236}">
+                  <a16:creationId xmlns:a16="http://schemas.microsoft.com/office/drawing/2014/main" id="{19AA75BB-C61A-3A78-391D-F7C46EDEE99A}"/>
+                </a:ext>
+              </a:extLst>
+            </p:cNvPr>
+            <p:cNvPicPr>
+              <a:picLocks noChangeAspect="1"/>
+            </p:cNvPicPr>
+            <p:nvPr/>
+          </p:nvPicPr>
+          <p:blipFill rotWithShape="1">
+            <a:blip r:embed="rId2" cstate="print">
+              <a:extLst>
+                <a:ext uri="{28A0092B-C50C-407E-A947-70E740481C1C}">
+                  <a14:useLocalDpi xmlns:a14="http://schemas.microsoft.com/office/drawing/2010/main" val="0"/>
+                </a:ext>
+              </a:extLst>
+            </a:blip>
+            <a:srcRect l="6695" t="6216" r="8255"/>
+            <a:stretch/>
+          </p:blipFill>
+          <p:spPr>
+            <a:xfrm>
+              <a:off x="1043608" y="2348880"/>
+              <a:ext cx="6624736" cy="3702046"/>
+            </a:xfrm>
+            <a:prstGeom prst="rect">
+              <a:avLst/>
+            </a:prstGeom>
+          </p:spPr>
+        </p:pic>
+        <p:sp>
+          <p:nvSpPr>
+            <p:cNvPr id="8" name="TextBox 7">
+              <a:extLst>
+                <a:ext uri="{FF2B5EF4-FFF2-40B4-BE49-F238E27FC236}">
+                  <a16:creationId xmlns:a16="http://schemas.microsoft.com/office/drawing/2014/main" id="{A3C85008-98C9-9057-A084-4074D0BCEA36}"/>
+                </a:ext>
+              </a:extLst>
+            </p:cNvPr>
+            <p:cNvSpPr txBox="1"/>
+            <p:nvPr/>
+          </p:nvSpPr>
+          <p:spPr>
+            <a:xfrm>
+              <a:off x="7560382" y="2459360"/>
+              <a:ext cx="1224136" cy="400110"/>
+            </a:xfrm>
+            <a:prstGeom prst="rect">
+              <a:avLst/>
+            </a:prstGeom>
+            <a:noFill/>
+          </p:spPr>
+          <p:txBody>
+            <a:bodyPr wrap="square">
+              <a:spAutoFit/>
+            </a:bodyPr>
+            <a:lstStyle/>
+            <a:p>
+              <a:pPr algn="l"/>
+              <a:r>
+                <a:rPr lang="en-GB" sz="2000" dirty="0">
+                  <a:solidFill>
+                    <a:schemeClr val="tx1"/>
+                  </a:solidFill>
+                  <a:latin typeface="Calibri" panose="020F0502020204030204" pitchFamily="34" charset="0"/>
+                  <a:cs typeface="Calibri" panose="020F0502020204030204" pitchFamily="34" charset="0"/>
+                </a:rPr>
+                <a:t>27.87%</a:t>
+              </a:r>
+              <a:endParaRPr lang="it-IT" sz="2000" dirty="0">
+                <a:solidFill>
+                  <a:schemeClr val="tx1"/>
+                </a:solidFill>
+                <a:latin typeface="Calibri" panose="020F0502020204030204" pitchFamily="34" charset="0"/>
+                <a:cs typeface="Calibri" panose="020F0502020204030204" pitchFamily="34" charset="0"/>
+              </a:endParaRPr>
+            </a:p>
+          </p:txBody>
+        </p:sp>
+      </p:grpSp>
     </p:spTree>
     <p:extLst>
       <p:ext uri="{BB962C8B-B14F-4D97-AF65-F5344CB8AC3E}">

--- a/PresentazioneTesiVersari.pptx
+++ b/PresentazioneTesiVersari.pptx
@@ -8256,26 +8256,8 @@
               <a:defRPr/>
             </a:pPr>
             <a:r>
-              <a:rPr lang="it-IT" sz="4400"/>
-              <a:t>Sintesi ottima </a:t>
-            </a:r>
-            <a:br>
-              <a:rPr lang="it-IT" sz="4400"/>
-            </a:br>
-            <a:r>
-              <a:rPr lang="it-IT" sz="4400"/>
-              <a:t>di funzioni booleane multi-uscita </a:t>
-            </a:r>
-            <a:br>
-              <a:rPr lang="it-IT" sz="4400"/>
-            </a:br>
-            <a:r>
-              <a:rPr lang="it-IT" sz="4400"/>
-              <a:t>mediante </a:t>
-            </a:r>
-            <a:r>
               <a:rPr lang="it-IT" sz="4400" dirty="0"/>
-              <a:t>PLI</a:t>
+              <a:t>Sintesi ottima di funzioni booleane multi-uscita mediante programmazione lineare intera</a:t>
             </a:r>
             <a:endParaRPr lang="it-IT" sz="2400" dirty="0">
               <a:latin typeface="+mj-lt"/>
@@ -8693,10 +8675,10 @@
       </p:grpSpPr>
       <p:pic>
         <p:nvPicPr>
-          <p:cNvPr id="14" name="Picture 13">
+          <p:cNvPr id="6" name="Graphic 5">
             <a:extLst>
               <a:ext uri="{FF2B5EF4-FFF2-40B4-BE49-F238E27FC236}">
-                <a16:creationId xmlns:a16="http://schemas.microsoft.com/office/drawing/2014/main" id="{81637D43-291B-F6A7-1F30-46BD1D3B0EEC}"/>
+                <a16:creationId xmlns:a16="http://schemas.microsoft.com/office/drawing/2014/main" id="{879F3C0D-3704-9F19-C3FA-11A33612531A}"/>
               </a:ext>
             </a:extLst>
           </p:cNvPr>
@@ -8706,23 +8688,32 @@
           <p:nvPr/>
         </p:nvPicPr>
         <p:blipFill>
-          <a:blip r:embed="rId3"/>
+          <a:blip r:embed="rId3">
+            <a:extLst>
+              <a:ext uri="{28A0092B-C50C-407E-A947-70E740481C1C}">
+                <a14:useLocalDpi xmlns:a14="http://schemas.microsoft.com/office/drawing/2010/main" val="0"/>
+              </a:ext>
+              <a:ext uri="{96DAC541-7B7A-43D3-8B79-37D633B846F1}">
+                <asvg:svgBlip xmlns:asvg="http://schemas.microsoft.com/office/drawing/2016/SVG/main" r:embed="rId4"/>
+              </a:ext>
+            </a:extLst>
+          </a:blip>
           <a:stretch>
             <a:fillRect/>
           </a:stretch>
         </p:blipFill>
         <p:spPr>
           <a:xfrm>
-            <a:off x="3961135" y="3356992"/>
-            <a:ext cx="4932040" cy="2867677"/>
+            <a:off x="4139952" y="1153945"/>
+            <a:ext cx="4448034" cy="2059031"/>
           </a:xfrm>
           <a:prstGeom prst="rect">
             <a:avLst/>
           </a:prstGeom>
         </p:spPr>
       </p:pic>
-      <mc:AlternateContent xmlns:mc="http://schemas.openxmlformats.org/markup-compatibility/2006">
-        <mc:Choice xmlns:a14="http://schemas.microsoft.com/office/drawing/2010/main" Requires="a14">
+      <mc:AlternateContent xmlns:mc="http://schemas.openxmlformats.org/markup-compatibility/2006" xmlns:a14="http://schemas.microsoft.com/office/drawing/2010/main">
+        <mc:Choice Requires="a14">
           <p:sp>
             <p:nvSpPr>
               <p:cNvPr id="15" name="Content Placeholder 2">
@@ -8739,7 +8730,7 @@
             </p:nvSpPr>
             <p:spPr bwMode="auto">
               <a:xfrm>
-                <a:off x="401805" y="2132549"/>
+                <a:off x="408075" y="2151535"/>
                 <a:ext cx="4307942" cy="576065"/>
               </a:xfrm>
               <a:prstGeom prst="rect">
@@ -9132,7 +9123,7 @@
             </p:txBody>
           </p:sp>
         </mc:Choice>
-        <mc:Fallback>
+        <mc:Fallback xmlns="">
           <p:sp>
             <p:nvSpPr>
               <p:cNvPr id="15" name="Content Placeholder 2">
@@ -9149,14 +9140,14 @@
             </p:nvSpPr>
             <p:spPr bwMode="auto">
               <a:xfrm>
-                <a:off x="401805" y="2132549"/>
+                <a:off x="408075" y="2151535"/>
                 <a:ext cx="4307942" cy="576065"/>
               </a:xfrm>
               <a:prstGeom prst="rect">
                 <a:avLst/>
               </a:prstGeom>
               <a:blipFill>
-                <a:blip r:embed="rId4"/>
+                <a:blip r:embed="rId5"/>
                 <a:stretch>
                   <a:fillRect r="-566"/>
                 </a:stretch>
@@ -9229,7 +9220,10 @@
               <a:buNone/>
             </a:pPr>
             <a:r>
-              <a:rPr lang="it-IT" dirty="0"/>
+              <a:rPr lang="it-IT" b="1" dirty="0">
+                <a:latin typeface="Calibri Light" panose="020F0302020204030204" pitchFamily="34" charset="0"/>
+                <a:cs typeface="Calibri Light" panose="020F0302020204030204" pitchFamily="34" charset="0"/>
+              </a:rPr>
               <a:t>Sintesi tradizionale</a:t>
             </a:r>
           </a:p>
@@ -9276,36 +9270,6 @@
           </a:p>
         </p:txBody>
       </p:sp>
-      <p:pic>
-        <p:nvPicPr>
-          <p:cNvPr id="8" name="Picture 7">
-            <a:extLst>
-              <a:ext uri="{FF2B5EF4-FFF2-40B4-BE49-F238E27FC236}">
-                <a16:creationId xmlns:a16="http://schemas.microsoft.com/office/drawing/2014/main" id="{F7D21FFD-38B8-1FC0-B9C0-BF980CCBC8AE}"/>
-              </a:ext>
-            </a:extLst>
-          </p:cNvPr>
-          <p:cNvPicPr>
-            <a:picLocks noChangeAspect="1"/>
-          </p:cNvPicPr>
-          <p:nvPr/>
-        </p:nvPicPr>
-        <p:blipFill>
-          <a:blip r:embed="rId5"/>
-          <a:stretch>
-            <a:fillRect/>
-          </a:stretch>
-        </p:blipFill>
-        <p:spPr>
-          <a:xfrm>
-            <a:off x="4860032" y="1738169"/>
-            <a:ext cx="3618148" cy="1402799"/>
-          </a:xfrm>
-          <a:prstGeom prst="rect">
-            <a:avLst/>
-          </a:prstGeom>
-        </p:spPr>
-      </p:pic>
       <p:sp>
         <p:nvSpPr>
           <p:cNvPr id="12" name="TextBox 11">
@@ -9320,7 +9284,7 @@
         </p:nvSpPr>
         <p:spPr>
           <a:xfrm>
-            <a:off x="408075" y="4293096"/>
+            <a:off x="323528" y="3933057"/>
             <a:ext cx="3553060" cy="1938992"/>
           </a:xfrm>
           <a:prstGeom prst="rect">
@@ -9387,25 +9351,7 @@
                 </a:solidFill>
                 <a:latin typeface="Calibri" panose="020F0502020204030204" pitchFamily="34" charset="0"/>
               </a:rPr>
-              <a:t>milioni </a:t>
-            </a:r>
-            <a:r>
-              <a:rPr lang="it-IT" sz="2400">
-                <a:solidFill>
-                  <a:schemeClr val="tx1"/>
-                </a:solidFill>
-                <a:latin typeface="Calibri" panose="020F0502020204030204" pitchFamily="34" charset="0"/>
-              </a:rPr>
-              <a:t>di stampe dei </a:t>
-            </a:r>
-            <a:r>
-              <a:rPr lang="it-IT" sz="2400" dirty="0">
-                <a:solidFill>
-                  <a:schemeClr val="tx1"/>
-                </a:solidFill>
-                <a:latin typeface="Calibri" panose="020F0502020204030204" pitchFamily="34" charset="0"/>
-              </a:rPr>
-              <a:t>circuiti sintetizzati</a:t>
+              <a:t>milioni di stampe dei circuiti sintetizzati</a:t>
             </a:r>
           </a:p>
         </p:txBody>
@@ -9597,16 +9543,61 @@
               <a:buNone/>
             </a:pPr>
             <a:r>
-              <a:rPr lang="en-GB" kern="0" dirty="0"/>
+              <a:rPr lang="en-GB" b="1" kern="0" dirty="0">
+                <a:latin typeface="Calibri Light" panose="020F0302020204030204" pitchFamily="34" charset="0"/>
+                <a:cs typeface="Calibri Light" panose="020F0302020204030204" pitchFamily="34" charset="0"/>
+              </a:rPr>
               <a:t>Da f</a:t>
             </a:r>
             <a:r>
-              <a:rPr lang="it-IT" kern="0" dirty="0"/>
+              <a:rPr lang="it-IT" b="1" kern="0" dirty="0">
+                <a:latin typeface="Calibri Light" panose="020F0302020204030204" pitchFamily="34" charset="0"/>
+                <a:cs typeface="Calibri Light" panose="020F0302020204030204" pitchFamily="34" charset="0"/>
+              </a:rPr>
               <a:t>unzione booleana a rete combinatoria</a:t>
             </a:r>
           </a:p>
         </p:txBody>
       </p:sp>
+      <p:pic>
+        <p:nvPicPr>
+          <p:cNvPr id="9" name="Graphic 8">
+            <a:extLst>
+              <a:ext uri="{FF2B5EF4-FFF2-40B4-BE49-F238E27FC236}">
+                <a16:creationId xmlns:a16="http://schemas.microsoft.com/office/drawing/2014/main" id="{0263EDC3-6C4F-CCCB-5476-C03E86E7FCF9}"/>
+              </a:ext>
+            </a:extLst>
+          </p:cNvPr>
+          <p:cNvPicPr>
+            <a:picLocks noChangeAspect="1"/>
+          </p:cNvPicPr>
+          <p:nvPr/>
+        </p:nvPicPr>
+        <p:blipFill>
+          <a:blip r:embed="rId6">
+            <a:extLst>
+              <a:ext uri="{28A0092B-C50C-407E-A947-70E740481C1C}">
+                <a14:useLocalDpi xmlns:a14="http://schemas.microsoft.com/office/drawing/2010/main" val="0"/>
+              </a:ext>
+              <a:ext uri="{96DAC541-7B7A-43D3-8B79-37D633B846F1}">
+                <asvg:svgBlip xmlns:asvg="http://schemas.microsoft.com/office/drawing/2016/SVG/main" r:embed="rId7"/>
+              </a:ext>
+            </a:extLst>
+          </a:blip>
+          <a:stretch>
+            <a:fillRect/>
+          </a:stretch>
+        </p:blipFill>
+        <p:spPr>
+          <a:xfrm>
+            <a:off x="3318852" y="2346245"/>
+            <a:ext cx="5825148" cy="4092289"/>
+          </a:xfrm>
+          <a:prstGeom prst="rect">
+            <a:avLst/>
+          </a:prstGeom>
+        </p:spPr>
+      </p:pic>
     </p:spTree>
     <p:extLst>
       <p:ext uri="{BB962C8B-B14F-4D97-AF65-F5344CB8AC3E}">
@@ -9639,257 +9630,10 @@
       </p:grpSpPr>
       <p:sp>
         <p:nvSpPr>
-          <p:cNvPr id="2" name="Title 1"/>
-          <p:cNvSpPr>
-            <a:spLocks noGrp="1"/>
-          </p:cNvSpPr>
-          <p:nvPr>
-            <p:ph type="title"/>
-          </p:nvPr>
-        </p:nvSpPr>
-        <p:spPr/>
-        <p:txBody>
-          <a:bodyPr/>
-          <a:lstStyle/>
-          <a:p>
-            <a:r>
-              <a:rPr lang="it-IT" dirty="0"/>
-              <a:t>Soluzione</a:t>
-            </a:r>
-          </a:p>
-        </p:txBody>
-      </p:sp>
-      <p:sp>
-        <p:nvSpPr>
-          <p:cNvPr id="4" name="Segnaposto piè di pagina 3"/>
-          <p:cNvSpPr txBox="1">
-            <a:spLocks/>
-          </p:cNvSpPr>
-          <p:nvPr/>
-        </p:nvSpPr>
-        <p:spPr bwMode="auto">
-          <a:xfrm>
-            <a:off x="17463" y="6624638"/>
-            <a:ext cx="9126537" cy="260350"/>
-          </a:xfrm>
-          <a:prstGeom prst="rect">
-            <a:avLst/>
-          </a:prstGeom>
-          <a:noFill/>
-          <a:ln w="9525">
-            <a:noFill/>
-            <a:miter lim="800000"/>
-            <a:headEnd/>
-            <a:tailEnd/>
-          </a:ln>
-        </p:spPr>
-        <p:txBody>
-          <a:bodyPr/>
-          <a:lstStyle/>
-          <a:p>
-            <a:pPr algn="l"/>
-            <a:r>
-              <a:rPr lang="en-US" sz="1100" i="1" dirty="0">
-                <a:latin typeface="Calibri" panose="020F0502020204030204" pitchFamily="34" charset="0"/>
-              </a:rPr>
-              <a:t>Alessandro Versari</a:t>
-            </a:r>
-            <a:endParaRPr lang="it-IT" sz="1100" dirty="0">
-              <a:latin typeface="Calibri" panose="020F0502020204030204" pitchFamily="34" charset="0"/>
-            </a:endParaRPr>
-          </a:p>
-        </p:txBody>
-      </p:sp>
-      <p:grpSp>
-        <p:nvGrpSpPr>
-          <p:cNvPr id="39" name="Group 38">
+          <p:cNvPr id="19" name="Content Placeholder 2">
             <a:extLst>
               <a:ext uri="{FF2B5EF4-FFF2-40B4-BE49-F238E27FC236}">
-                <a16:creationId xmlns:a16="http://schemas.microsoft.com/office/drawing/2014/main" id="{FA99B5DA-0069-CA7D-3111-DBD433D2CC9A}"/>
-              </a:ext>
-            </a:extLst>
-          </p:cNvPr>
-          <p:cNvGrpSpPr/>
-          <p:nvPr/>
-        </p:nvGrpSpPr>
-        <p:grpSpPr>
-          <a:xfrm>
-            <a:off x="3347864" y="3758437"/>
-            <a:ext cx="5328089" cy="2622541"/>
-            <a:chOff x="2195736" y="3758437"/>
-            <a:chExt cx="5328089" cy="2622541"/>
-          </a:xfrm>
-        </p:grpSpPr>
-        <p:pic>
-          <p:nvPicPr>
-            <p:cNvPr id="20" name="Picture 19">
-              <a:extLst>
-                <a:ext uri="{FF2B5EF4-FFF2-40B4-BE49-F238E27FC236}">
-                  <a16:creationId xmlns:a16="http://schemas.microsoft.com/office/drawing/2014/main" id="{574232CA-C68B-5B50-4393-27D8CC909868}"/>
-                </a:ext>
-              </a:extLst>
-            </p:cNvPr>
-            <p:cNvPicPr>
-              <a:picLocks noChangeAspect="1"/>
-            </p:cNvPicPr>
-            <p:nvPr/>
-          </p:nvPicPr>
-          <p:blipFill>
-            <a:blip r:embed="rId3"/>
-            <a:stretch>
-              <a:fillRect/>
-            </a:stretch>
-          </p:blipFill>
-          <p:spPr>
-            <a:xfrm>
-              <a:off x="2267744" y="3758437"/>
-              <a:ext cx="2194247" cy="1254739"/>
-            </a:xfrm>
-            <a:prstGeom prst="rect">
-              <a:avLst/>
-            </a:prstGeom>
-          </p:spPr>
-        </p:pic>
-        <p:pic>
-          <p:nvPicPr>
-            <p:cNvPr id="22" name="Picture 21">
-              <a:extLst>
-                <a:ext uri="{FF2B5EF4-FFF2-40B4-BE49-F238E27FC236}">
-                  <a16:creationId xmlns:a16="http://schemas.microsoft.com/office/drawing/2014/main" id="{BD135507-9230-1B37-8520-F6F8C446B751}"/>
-                </a:ext>
-              </a:extLst>
-            </p:cNvPr>
-            <p:cNvPicPr>
-              <a:picLocks noChangeAspect="1"/>
-            </p:cNvPicPr>
-            <p:nvPr/>
-          </p:nvPicPr>
-          <p:blipFill>
-            <a:blip r:embed="rId4"/>
-            <a:stretch>
-              <a:fillRect/>
-            </a:stretch>
-          </p:blipFill>
-          <p:spPr>
-            <a:xfrm>
-              <a:off x="2195736" y="5049298"/>
-              <a:ext cx="2141709" cy="1270191"/>
-            </a:xfrm>
-            <a:prstGeom prst="rect">
-              <a:avLst/>
-            </a:prstGeom>
-          </p:spPr>
-        </p:pic>
-        <p:pic>
-          <p:nvPicPr>
-            <p:cNvPr id="30" name="Picture 29">
-              <a:extLst>
-                <a:ext uri="{FF2B5EF4-FFF2-40B4-BE49-F238E27FC236}">
-                  <a16:creationId xmlns:a16="http://schemas.microsoft.com/office/drawing/2014/main" id="{95B40D42-C339-2B54-98E2-B7BB3709F1D3}"/>
-                </a:ext>
-              </a:extLst>
-            </p:cNvPr>
-            <p:cNvPicPr>
-              <a:picLocks noChangeAspect="1"/>
-            </p:cNvPicPr>
-            <p:nvPr/>
-          </p:nvPicPr>
-          <p:blipFill>
-            <a:blip r:embed="rId5"/>
-            <a:stretch>
-              <a:fillRect/>
-            </a:stretch>
-          </p:blipFill>
-          <p:spPr>
-            <a:xfrm>
-              <a:off x="4931428" y="3758437"/>
-              <a:ext cx="2592397" cy="2622541"/>
-            </a:xfrm>
-            <a:prstGeom prst="rect">
-              <a:avLst/>
-            </a:prstGeom>
-          </p:spPr>
-        </p:pic>
-        <p:cxnSp>
-          <p:nvCxnSpPr>
-            <p:cNvPr id="32" name="Straight Arrow Connector 31">
-              <a:extLst>
-                <a:ext uri="{FF2B5EF4-FFF2-40B4-BE49-F238E27FC236}">
-                  <a16:creationId xmlns:a16="http://schemas.microsoft.com/office/drawing/2014/main" id="{AD5C6BE9-FABE-4412-3124-9EBCBFB726E3}"/>
-                </a:ext>
-              </a:extLst>
-            </p:cNvPr>
-            <p:cNvCxnSpPr>
-              <a:cxnSpLocks/>
-            </p:cNvCxnSpPr>
-            <p:nvPr/>
-          </p:nvCxnSpPr>
-          <p:spPr bwMode="auto">
-            <a:xfrm>
-              <a:off x="4317975" y="4997152"/>
-              <a:ext cx="398041" cy="0"/>
-            </a:xfrm>
-            <a:prstGeom prst="straightConnector1">
-              <a:avLst/>
-            </a:prstGeom>
-            <a:solidFill>
-              <a:schemeClr val="accent1"/>
-            </a:solidFill>
-            <a:ln w="38100" cap="flat" cmpd="sng" algn="ctr">
-              <a:solidFill>
-                <a:schemeClr val="tx1"/>
-              </a:solidFill>
-              <a:prstDash val="solid"/>
-              <a:round/>
-              <a:headEnd type="none" w="med" len="med"/>
-              <a:tailEnd type="triangle"/>
-            </a:ln>
-            <a:effectLst/>
-          </p:spPr>
-        </p:cxnSp>
-      </p:grpSp>
-      <p:sp>
-        <p:nvSpPr>
-          <p:cNvPr id="34" name="Content Placeholder 2">
-            <a:extLst>
-              <a:ext uri="{FF2B5EF4-FFF2-40B4-BE49-F238E27FC236}">
-                <a16:creationId xmlns:a16="http://schemas.microsoft.com/office/drawing/2014/main" id="{50A45BF6-AC58-4069-D3DD-2B8B564A9E4A}"/>
-              </a:ext>
-            </a:extLst>
-          </p:cNvPr>
-          <p:cNvSpPr>
-            <a:spLocks noGrp="1"/>
-          </p:cNvSpPr>
-          <p:nvPr>
-            <p:ph idx="1"/>
-          </p:nvPr>
-        </p:nvSpPr>
-        <p:spPr>
-          <a:xfrm>
-            <a:off x="469226" y="2119202"/>
-            <a:ext cx="3527889" cy="576065"/>
-          </a:xfrm>
-        </p:spPr>
-        <p:txBody>
-          <a:bodyPr/>
-          <a:lstStyle/>
-          <a:p>
-            <a:pPr marL="0" indent="0">
-              <a:buNone/>
-            </a:pPr>
-            <a:r>
-              <a:rPr lang="it-IT" dirty="0"/>
-              <a:t>Modello matematico</a:t>
-            </a:r>
-          </a:p>
-        </p:txBody>
-      </p:sp>
-      <p:sp>
-        <p:nvSpPr>
-          <p:cNvPr id="35" name="Content Placeholder 2">
-            <a:extLst>
-              <a:ext uri="{FF2B5EF4-FFF2-40B4-BE49-F238E27FC236}">
-                <a16:creationId xmlns:a16="http://schemas.microsoft.com/office/drawing/2014/main" id="{65EF9804-BAD2-98CD-3DF1-732E814413AB}"/>
+                <a16:creationId xmlns:a16="http://schemas.microsoft.com/office/drawing/2014/main" id="{948D1FF5-35A1-9EF6-6D79-31927138945B}"/>
               </a:ext>
             </a:extLst>
           </p:cNvPr>
@@ -9900,8 +9644,8 @@
         </p:nvSpPr>
         <p:spPr bwMode="auto">
           <a:xfrm>
-            <a:off x="468047" y="4709119"/>
-            <a:ext cx="2270236" cy="576065"/>
+            <a:off x="251520" y="1124744"/>
+            <a:ext cx="8642350" cy="576065"/>
           </a:xfrm>
           <a:prstGeom prst="rect">
             <a:avLst/>
@@ -10067,32 +9811,707 @@
           </a:lstStyle>
           <a:p>
             <a:pPr marL="0" indent="0">
+              <a:buNone/>
+            </a:pPr>
+            <a:r>
+              <a:rPr lang="it-IT" b="1" dirty="0">
+                <a:latin typeface="Calibri Light" panose="020F0302020204030204" pitchFamily="34" charset="0"/>
+                <a:cs typeface="Calibri Light" panose="020F0302020204030204" pitchFamily="34" charset="0"/>
+              </a:rPr>
+              <a:t>Modello matematico</a:t>
+            </a:r>
+          </a:p>
+        </p:txBody>
+      </p:sp>
+      <p:sp>
+        <p:nvSpPr>
+          <p:cNvPr id="17" name="TextBox 16">
+            <a:extLst>
+              <a:ext uri="{FF2B5EF4-FFF2-40B4-BE49-F238E27FC236}">
+                <a16:creationId xmlns:a16="http://schemas.microsoft.com/office/drawing/2014/main" id="{3EB15285-EA9F-71C2-FFFF-FCE7EF132823}"/>
+              </a:ext>
+            </a:extLst>
+          </p:cNvPr>
+          <p:cNvSpPr txBox="1"/>
+          <p:nvPr/>
+        </p:nvSpPr>
+        <p:spPr>
+          <a:xfrm>
+            <a:off x="323528" y="3933057"/>
+            <a:ext cx="2592397" cy="1569660"/>
+          </a:xfrm>
+          <a:prstGeom prst="rect">
+            <a:avLst/>
+          </a:prstGeom>
+          <a:noFill/>
+        </p:spPr>
+        <p:txBody>
+          <a:bodyPr wrap="square">
+            <a:spAutoFit/>
+          </a:bodyPr>
+          <a:lstStyle/>
+          <a:p>
+            <a:pPr algn="l"/>
+            <a:r>
+              <a:rPr lang="it-IT" sz="2400" dirty="0">
+                <a:solidFill>
+                  <a:schemeClr val="tx1"/>
+                </a:solidFill>
+                <a:latin typeface="Calibri" panose="020F0502020204030204" pitchFamily="34" charset="0"/>
+              </a:rPr>
+              <a:t>ricavata utilizzando </a:t>
+            </a:r>
+            <a:r>
+              <a:rPr lang="it-IT" sz="2400" dirty="0" err="1">
+                <a:solidFill>
+                  <a:schemeClr val="tx1"/>
+                </a:solidFill>
+                <a:latin typeface="Calibri" panose="020F0502020204030204" pitchFamily="34" charset="0"/>
+              </a:rPr>
+              <a:t>Matlab</a:t>
+            </a:r>
+            <a:r>
+              <a:rPr lang="it-IT" sz="2400" dirty="0">
+                <a:solidFill>
+                  <a:schemeClr val="tx1"/>
+                </a:solidFill>
+                <a:latin typeface="Calibri" panose="020F0502020204030204" pitchFamily="34" charset="0"/>
+              </a:rPr>
+              <a:t>, mediante chiamata a </a:t>
+            </a:r>
+            <a:r>
+              <a:rPr lang="it-IT" sz="2400" dirty="0" err="1">
+                <a:solidFill>
+                  <a:schemeClr val="tx1"/>
+                </a:solidFill>
+                <a:latin typeface="Calibri" panose="020F0502020204030204" pitchFamily="34" charset="0"/>
+              </a:rPr>
+              <a:t>intlinprog</a:t>
+            </a:r>
+            <a:endParaRPr lang="it-IT" sz="2400" dirty="0">
+              <a:solidFill>
+                <a:schemeClr val="tx1"/>
+              </a:solidFill>
+              <a:latin typeface="Calibri" panose="020F0502020204030204" pitchFamily="34" charset="0"/>
+            </a:endParaRPr>
+          </a:p>
+        </p:txBody>
+      </p:sp>
+      <p:sp>
+        <p:nvSpPr>
+          <p:cNvPr id="16" name="Content Placeholder 2">
+            <a:extLst>
+              <a:ext uri="{FF2B5EF4-FFF2-40B4-BE49-F238E27FC236}">
+                <a16:creationId xmlns:a16="http://schemas.microsoft.com/office/drawing/2014/main" id="{C1632194-DF25-3F2D-32AA-A24EDC3DD9AC}"/>
+              </a:ext>
+            </a:extLst>
+          </p:cNvPr>
+          <p:cNvSpPr txBox="1">
+            <a:spLocks/>
+          </p:cNvSpPr>
+          <p:nvPr/>
+        </p:nvSpPr>
+        <p:spPr bwMode="auto">
+          <a:xfrm>
+            <a:off x="249663" y="3356992"/>
+            <a:ext cx="8642350" cy="576065"/>
+          </a:xfrm>
+          <a:prstGeom prst="rect">
+            <a:avLst/>
+          </a:prstGeom>
+          <a:noFill/>
+          <a:ln w="9525">
+            <a:noFill/>
+            <a:miter lim="800000"/>
+            <a:headEnd/>
+            <a:tailEnd/>
+          </a:ln>
+        </p:spPr>
+        <p:txBody>
+          <a:bodyPr vert="horz" wrap="square" lIns="91440" tIns="45720" rIns="91440" bIns="45720" numCol="1" anchor="t" anchorCtr="0" compatLnSpc="1">
+            <a:prstTxWarp prst="textNoShape">
+              <a:avLst/>
+            </a:prstTxWarp>
+          </a:bodyPr>
+          <a:lstStyle>
+            <a:lvl1pPr marL="342900" indent="-342900" algn="l" rtl="0" eaLnBrk="0" fontAlgn="base" hangingPunct="0">
+              <a:spcBef>
+                <a:spcPct val="20000"/>
+              </a:spcBef>
+              <a:spcAft>
+                <a:spcPct val="0"/>
+              </a:spcAft>
+              <a:buFont typeface="Wingdings" pitchFamily="2" charset="2"/>
+              <a:buChar char="§"/>
+              <a:defRPr sz="3000">
+                <a:solidFill>
+                  <a:schemeClr val="tx1"/>
+                </a:solidFill>
+                <a:latin typeface="Calibri" panose="020F0502020204030204" pitchFamily="34" charset="0"/>
+                <a:ea typeface="+mn-ea"/>
+                <a:cs typeface="+mn-cs"/>
+              </a:defRPr>
+            </a:lvl1pPr>
+            <a:lvl2pPr marL="793750" indent="-271463" algn="l" rtl="0" eaLnBrk="0" fontAlgn="base" hangingPunct="0">
+              <a:spcBef>
+                <a:spcPct val="20000"/>
+              </a:spcBef>
+              <a:spcAft>
+                <a:spcPct val="0"/>
+              </a:spcAft>
+              <a:buClr>
+                <a:srgbClr val="000080"/>
+              </a:buClr>
+              <a:buFont typeface="Wingdings" pitchFamily="2" charset="2"/>
+              <a:buChar char="§"/>
+              <a:defRPr sz="2600">
+                <a:solidFill>
+                  <a:schemeClr val="tx1"/>
+                </a:solidFill>
+                <a:latin typeface="Calibri" panose="020F0502020204030204" pitchFamily="34" charset="0"/>
+              </a:defRPr>
+            </a:lvl2pPr>
+            <a:lvl3pPr marL="1436688" indent="-363538" algn="l" rtl="0" eaLnBrk="0" fontAlgn="base" hangingPunct="0">
+              <a:spcBef>
+                <a:spcPct val="20000"/>
+              </a:spcBef>
+              <a:spcAft>
+                <a:spcPct val="0"/>
+              </a:spcAft>
+              <a:buFont typeface="Wingdings" pitchFamily="2" charset="2"/>
+              <a:buChar char="ð"/>
+              <a:defRPr sz="2200">
+                <a:solidFill>
+                  <a:schemeClr val="tx1"/>
+                </a:solidFill>
+                <a:latin typeface="Calibri" panose="020F0502020204030204" pitchFamily="34" charset="0"/>
+              </a:defRPr>
+            </a:lvl3pPr>
+            <a:lvl4pPr marL="1844675" indent="-228600" algn="l" rtl="0" eaLnBrk="0" fontAlgn="base" hangingPunct="0">
+              <a:spcBef>
+                <a:spcPct val="20000"/>
+              </a:spcBef>
+              <a:spcAft>
+                <a:spcPct val="0"/>
+              </a:spcAft>
+              <a:buChar char="–"/>
+              <a:defRPr>
+                <a:solidFill>
+                  <a:schemeClr val="tx1"/>
+                </a:solidFill>
+                <a:latin typeface="Calibri" panose="020F0502020204030204" pitchFamily="34" charset="0"/>
+              </a:defRPr>
+            </a:lvl4pPr>
+            <a:lvl5pPr marL="2252663" indent="-228600" algn="l" rtl="0" eaLnBrk="0" fontAlgn="base" hangingPunct="0">
+              <a:spcBef>
+                <a:spcPct val="20000"/>
+              </a:spcBef>
+              <a:spcAft>
+                <a:spcPct val="0"/>
+              </a:spcAft>
+              <a:buChar char="»"/>
+              <a:defRPr sz="1600">
+                <a:solidFill>
+                  <a:schemeClr val="tx1"/>
+                </a:solidFill>
+                <a:latin typeface="Calibri" panose="020F0502020204030204" pitchFamily="34" charset="0"/>
+              </a:defRPr>
+            </a:lvl5pPr>
+            <a:lvl6pPr marL="2709863" indent="-228600" algn="l" rtl="0" fontAlgn="base">
+              <a:spcBef>
+                <a:spcPct val="20000"/>
+              </a:spcBef>
+              <a:spcAft>
+                <a:spcPct val="0"/>
+              </a:spcAft>
+              <a:buChar char="»"/>
+              <a:defRPr sz="1600">
+                <a:solidFill>
+                  <a:schemeClr val="tx1"/>
+                </a:solidFill>
+                <a:latin typeface="+mn-lt"/>
+              </a:defRPr>
+            </a:lvl6pPr>
+            <a:lvl7pPr marL="3167063" indent="-228600" algn="l" rtl="0" fontAlgn="base">
+              <a:spcBef>
+                <a:spcPct val="20000"/>
+              </a:spcBef>
+              <a:spcAft>
+                <a:spcPct val="0"/>
+              </a:spcAft>
+              <a:buChar char="»"/>
+              <a:defRPr sz="1600">
+                <a:solidFill>
+                  <a:schemeClr val="tx1"/>
+                </a:solidFill>
+                <a:latin typeface="+mn-lt"/>
+              </a:defRPr>
+            </a:lvl7pPr>
+            <a:lvl8pPr marL="3624263" indent="-228600" algn="l" rtl="0" fontAlgn="base">
+              <a:spcBef>
+                <a:spcPct val="20000"/>
+              </a:spcBef>
+              <a:spcAft>
+                <a:spcPct val="0"/>
+              </a:spcAft>
+              <a:buChar char="»"/>
+              <a:defRPr sz="1600">
+                <a:solidFill>
+                  <a:schemeClr val="tx1"/>
+                </a:solidFill>
+                <a:latin typeface="+mn-lt"/>
+              </a:defRPr>
+            </a:lvl8pPr>
+            <a:lvl9pPr marL="4081463" indent="-228600" algn="l" rtl="0" fontAlgn="base">
+              <a:spcBef>
+                <a:spcPct val="20000"/>
+              </a:spcBef>
+              <a:spcAft>
+                <a:spcPct val="0"/>
+              </a:spcAft>
+              <a:buChar char="»"/>
+              <a:defRPr sz="1600">
+                <a:solidFill>
+                  <a:schemeClr val="tx1"/>
+                </a:solidFill>
+                <a:latin typeface="+mn-lt"/>
+              </a:defRPr>
+            </a:lvl9pPr>
+          </a:lstStyle>
+          <a:p>
+            <a:pPr marL="0" indent="0">
               <a:buFont typeface="Wingdings" pitchFamily="2" charset="2"/>
               <a:buNone/>
             </a:pPr>
             <a:r>
-              <a:rPr lang="it-IT" dirty="0">
-                <a:latin typeface="Google Sans"/>
+              <a:rPr lang="en-GB" b="1" kern="0" dirty="0">
+                <a:latin typeface="Calibri Light" panose="020F0302020204030204" pitchFamily="34" charset="0"/>
+                <a:cs typeface="Calibri Light" panose="020F0302020204030204" pitchFamily="34" charset="0"/>
               </a:rPr>
-              <a:t>C</a:t>
-            </a:r>
-            <a:r>
-              <a:rPr lang="it-IT" b="0" i="0" dirty="0">
-                <a:effectLst/>
-                <a:latin typeface="Google Sans"/>
+              <a:t>S</a:t>
+            </a:r>
+            <a:r>
+              <a:rPr lang="it-IT" b="1" kern="0" dirty="0">
+                <a:latin typeface="Calibri Light" panose="020F0302020204030204" pitchFamily="34" charset="0"/>
+                <a:cs typeface="Calibri Light" panose="020F0302020204030204" pitchFamily="34" charset="0"/>
               </a:rPr>
-              <a:t>onseguenza</a:t>
-            </a:r>
-            <a:endParaRPr lang="it-IT" kern="0" dirty="0"/>
+              <a:t>intesi ottima</a:t>
+            </a:r>
           </a:p>
         </p:txBody>
       </p:sp>
+      <p:sp>
+        <p:nvSpPr>
+          <p:cNvPr id="2" name="Title 1"/>
+          <p:cNvSpPr>
+            <a:spLocks noGrp="1"/>
+          </p:cNvSpPr>
+          <p:nvPr>
+            <p:ph type="title"/>
+          </p:nvPr>
+        </p:nvSpPr>
+        <p:spPr/>
+        <p:txBody>
+          <a:bodyPr/>
+          <a:lstStyle/>
+          <a:p>
+            <a:r>
+              <a:rPr lang="it-IT" dirty="0"/>
+              <a:t>Soluzione</a:t>
+            </a:r>
+          </a:p>
+        </p:txBody>
+      </p:sp>
+      <p:sp>
+        <p:nvSpPr>
+          <p:cNvPr id="4" name="Segnaposto piè di pagina 3"/>
+          <p:cNvSpPr txBox="1">
+            <a:spLocks/>
+          </p:cNvSpPr>
+          <p:nvPr/>
+        </p:nvSpPr>
+        <p:spPr bwMode="auto">
+          <a:xfrm>
+            <a:off x="17463" y="6624638"/>
+            <a:ext cx="9126537" cy="260350"/>
+          </a:xfrm>
+          <a:prstGeom prst="rect">
+            <a:avLst/>
+          </a:prstGeom>
+          <a:noFill/>
+          <a:ln w="9525">
+            <a:noFill/>
+            <a:miter lim="800000"/>
+            <a:headEnd/>
+            <a:tailEnd/>
+          </a:ln>
+        </p:spPr>
+        <p:txBody>
+          <a:bodyPr/>
+          <a:lstStyle/>
+          <a:p>
+            <a:pPr algn="l"/>
+            <a:r>
+              <a:rPr lang="en-US" sz="1100" i="1" dirty="0">
+                <a:latin typeface="Calibri" panose="020F0502020204030204" pitchFamily="34" charset="0"/>
+              </a:rPr>
+              <a:t>Alessandro Versari</a:t>
+            </a:r>
+            <a:endParaRPr lang="it-IT" sz="1100" dirty="0">
+              <a:latin typeface="Calibri" panose="020F0502020204030204" pitchFamily="34" charset="0"/>
+            </a:endParaRPr>
+          </a:p>
+        </p:txBody>
+      </p:sp>
+      <mc:AlternateContent xmlns:mc="http://schemas.openxmlformats.org/markup-compatibility/2006" xmlns:a14="http://schemas.microsoft.com/office/drawing/2010/main">
+        <mc:Choice Requires="a14">
+          <p:sp>
+            <p:nvSpPr>
+              <p:cNvPr id="18" name="Content Placeholder 2">
+                <a:extLst>
+                  <a:ext uri="{FF2B5EF4-FFF2-40B4-BE49-F238E27FC236}">
+                    <a16:creationId xmlns:a16="http://schemas.microsoft.com/office/drawing/2014/main" id="{D9E732F9-54AC-C1AF-7C13-2950378757B9}"/>
+                  </a:ext>
+                </a:extLst>
+              </p:cNvPr>
+              <p:cNvSpPr txBox="1">
+                <a:spLocks/>
+              </p:cNvSpPr>
+              <p:nvPr/>
+            </p:nvSpPr>
+            <p:spPr bwMode="auto">
+              <a:xfrm>
+                <a:off x="323528" y="1700809"/>
+                <a:ext cx="3515853" cy="982070"/>
+              </a:xfrm>
+              <a:prstGeom prst="rect">
+                <a:avLst/>
+              </a:prstGeom>
+              <a:noFill/>
+              <a:ln w="9525">
+                <a:noFill/>
+                <a:miter lim="800000"/>
+                <a:headEnd/>
+                <a:tailEnd/>
+              </a:ln>
+            </p:spPr>
+            <p:txBody>
+              <a:bodyPr vert="horz" wrap="square" lIns="91440" tIns="45720" rIns="91440" bIns="45720" numCol="1" anchor="t" anchorCtr="0" compatLnSpc="1">
+                <a:prstTxWarp prst="textNoShape">
+                  <a:avLst/>
+                </a:prstTxWarp>
+              </a:bodyPr>
+              <a:lstStyle>
+                <a:lvl1pPr marL="342900" indent="-342900" algn="l" rtl="0" eaLnBrk="0" fontAlgn="base" hangingPunct="0">
+                  <a:spcBef>
+                    <a:spcPct val="20000"/>
+                  </a:spcBef>
+                  <a:spcAft>
+                    <a:spcPct val="0"/>
+                  </a:spcAft>
+                  <a:buFont typeface="Wingdings" pitchFamily="2" charset="2"/>
+                  <a:buChar char="§"/>
+                  <a:defRPr sz="3000">
+                    <a:solidFill>
+                      <a:schemeClr val="tx1"/>
+                    </a:solidFill>
+                    <a:latin typeface="Calibri" panose="020F0502020204030204" pitchFamily="34" charset="0"/>
+                    <a:ea typeface="+mn-ea"/>
+                    <a:cs typeface="+mn-cs"/>
+                  </a:defRPr>
+                </a:lvl1pPr>
+                <a:lvl2pPr marL="793750" indent="-271463" algn="l" rtl="0" eaLnBrk="0" fontAlgn="base" hangingPunct="0">
+                  <a:spcBef>
+                    <a:spcPct val="20000"/>
+                  </a:spcBef>
+                  <a:spcAft>
+                    <a:spcPct val="0"/>
+                  </a:spcAft>
+                  <a:buClr>
+                    <a:srgbClr val="000080"/>
+                  </a:buClr>
+                  <a:buFont typeface="Wingdings" pitchFamily="2" charset="2"/>
+                  <a:buChar char="§"/>
+                  <a:defRPr sz="2600">
+                    <a:solidFill>
+                      <a:schemeClr val="tx1"/>
+                    </a:solidFill>
+                    <a:latin typeface="Calibri" panose="020F0502020204030204" pitchFamily="34" charset="0"/>
+                  </a:defRPr>
+                </a:lvl2pPr>
+                <a:lvl3pPr marL="1436688" indent="-363538" algn="l" rtl="0" eaLnBrk="0" fontAlgn="base" hangingPunct="0">
+                  <a:spcBef>
+                    <a:spcPct val="20000"/>
+                  </a:spcBef>
+                  <a:spcAft>
+                    <a:spcPct val="0"/>
+                  </a:spcAft>
+                  <a:buFont typeface="Wingdings" pitchFamily="2" charset="2"/>
+                  <a:buChar char="ð"/>
+                  <a:defRPr sz="2200">
+                    <a:solidFill>
+                      <a:schemeClr val="tx1"/>
+                    </a:solidFill>
+                    <a:latin typeface="Calibri" panose="020F0502020204030204" pitchFamily="34" charset="0"/>
+                  </a:defRPr>
+                </a:lvl3pPr>
+                <a:lvl4pPr marL="1844675" indent="-228600" algn="l" rtl="0" eaLnBrk="0" fontAlgn="base" hangingPunct="0">
+                  <a:spcBef>
+                    <a:spcPct val="20000"/>
+                  </a:spcBef>
+                  <a:spcAft>
+                    <a:spcPct val="0"/>
+                  </a:spcAft>
+                  <a:buChar char="–"/>
+                  <a:defRPr>
+                    <a:solidFill>
+                      <a:schemeClr val="tx1"/>
+                    </a:solidFill>
+                    <a:latin typeface="Calibri" panose="020F0502020204030204" pitchFamily="34" charset="0"/>
+                  </a:defRPr>
+                </a:lvl4pPr>
+                <a:lvl5pPr marL="2252663" indent="-228600" algn="l" rtl="0" eaLnBrk="0" fontAlgn="base" hangingPunct="0">
+                  <a:spcBef>
+                    <a:spcPct val="20000"/>
+                  </a:spcBef>
+                  <a:spcAft>
+                    <a:spcPct val="0"/>
+                  </a:spcAft>
+                  <a:buChar char="»"/>
+                  <a:defRPr sz="1600">
+                    <a:solidFill>
+                      <a:schemeClr val="tx1"/>
+                    </a:solidFill>
+                    <a:latin typeface="Calibri" panose="020F0502020204030204" pitchFamily="34" charset="0"/>
+                  </a:defRPr>
+                </a:lvl5pPr>
+                <a:lvl6pPr marL="2709863" indent="-228600" algn="l" rtl="0" fontAlgn="base">
+                  <a:spcBef>
+                    <a:spcPct val="20000"/>
+                  </a:spcBef>
+                  <a:spcAft>
+                    <a:spcPct val="0"/>
+                  </a:spcAft>
+                  <a:buChar char="»"/>
+                  <a:defRPr sz="1600">
+                    <a:solidFill>
+                      <a:schemeClr val="tx1"/>
+                    </a:solidFill>
+                    <a:latin typeface="+mn-lt"/>
+                  </a:defRPr>
+                </a:lvl6pPr>
+                <a:lvl7pPr marL="3167063" indent="-228600" algn="l" rtl="0" fontAlgn="base">
+                  <a:spcBef>
+                    <a:spcPct val="20000"/>
+                  </a:spcBef>
+                  <a:spcAft>
+                    <a:spcPct val="0"/>
+                  </a:spcAft>
+                  <a:buChar char="»"/>
+                  <a:defRPr sz="1600">
+                    <a:solidFill>
+                      <a:schemeClr val="tx1"/>
+                    </a:solidFill>
+                    <a:latin typeface="+mn-lt"/>
+                  </a:defRPr>
+                </a:lvl7pPr>
+                <a:lvl8pPr marL="3624263" indent="-228600" algn="l" rtl="0" fontAlgn="base">
+                  <a:spcBef>
+                    <a:spcPct val="20000"/>
+                  </a:spcBef>
+                  <a:spcAft>
+                    <a:spcPct val="0"/>
+                  </a:spcAft>
+                  <a:buChar char="»"/>
+                  <a:defRPr sz="1600">
+                    <a:solidFill>
+                      <a:schemeClr val="tx1"/>
+                    </a:solidFill>
+                    <a:latin typeface="+mn-lt"/>
+                  </a:defRPr>
+                </a:lvl8pPr>
+                <a:lvl9pPr marL="4081463" indent="-228600" algn="l" rtl="0" fontAlgn="base">
+                  <a:spcBef>
+                    <a:spcPct val="20000"/>
+                  </a:spcBef>
+                  <a:spcAft>
+                    <a:spcPct val="0"/>
+                  </a:spcAft>
+                  <a:buChar char="»"/>
+                  <a:defRPr sz="1600">
+                    <a:solidFill>
+                      <a:schemeClr val="tx1"/>
+                    </a:solidFill>
+                    <a:latin typeface="+mn-lt"/>
+                  </a:defRPr>
+                </a:lvl9pPr>
+              </a:lstStyle>
+              <a:p>
+                <a:pPr marL="0" indent="0">
+                  <a:buNone/>
+                </a:pPr>
+                <a14:m>
+                  <m:oMathPara xmlns:m="http://schemas.openxmlformats.org/officeDocument/2006/math">
+                    <m:oMathParaPr>
+                      <m:jc m:val="centerGroup"/>
+                    </m:oMathParaPr>
+                    <m:oMath xmlns:m="http://schemas.openxmlformats.org/officeDocument/2006/math">
+                      <m:r>
+                        <m:rPr>
+                          <m:nor/>
+                        </m:rPr>
+                        <a:rPr lang="it-IT" sz="2400" dirty="0"/>
+                        <m:t>formulato</m:t>
+                      </m:r>
+                      <m:r>
+                        <m:rPr>
+                          <m:nor/>
+                        </m:rPr>
+                        <a:rPr lang="it-IT" sz="2400" dirty="0"/>
+                        <m:t> </m:t>
+                      </m:r>
+                      <m:r>
+                        <m:rPr>
+                          <m:nor/>
+                        </m:rPr>
+                        <a:rPr lang="it-IT" sz="2400" dirty="0"/>
+                        <m:t>come</m:t>
+                      </m:r>
+                      <m:r>
+                        <m:rPr>
+                          <m:nor/>
+                        </m:rPr>
+                        <a:rPr lang="it-IT" sz="2400" dirty="0"/>
+                        <m:t> </m:t>
+                      </m:r>
+                      <m:r>
+                        <m:rPr>
+                          <m:nor/>
+                        </m:rPr>
+                        <a:rPr lang="it-IT" sz="2400" dirty="0"/>
+                        <m:t>problema</m:t>
+                      </m:r>
+                      <m:r>
+                        <m:rPr>
+                          <m:nor/>
+                        </m:rPr>
+                        <a:rPr lang="it-IT" sz="2400" dirty="0"/>
+                        <m:t> </m:t>
+                      </m:r>
+                      <m:r>
+                        <m:rPr>
+                          <m:nor/>
+                        </m:rPr>
+                        <a:rPr lang="it-IT" sz="2400" dirty="0"/>
+                        <m:t>di</m:t>
+                      </m:r>
+                      <m:r>
+                        <m:rPr>
+                          <m:nor/>
+                        </m:rPr>
+                        <a:rPr lang="it-IT" sz="2400" dirty="0"/>
+                        <m:t> </m:t>
+                      </m:r>
+                      <m:r>
+                        <m:rPr>
+                          <m:nor/>
+                        </m:rPr>
+                        <a:rPr lang="it-IT" sz="2400" dirty="0"/>
+                        <m:t>programmazione</m:t>
+                      </m:r>
+                      <m:r>
+                        <m:rPr>
+                          <m:nor/>
+                        </m:rPr>
+                        <a:rPr lang="it-IT" sz="2400" dirty="0"/>
+                        <m:t> </m:t>
+                      </m:r>
+                      <m:r>
+                        <m:rPr>
+                          <m:nor/>
+                        </m:rPr>
+                        <a:rPr lang="it-IT" sz="2400" dirty="0"/>
+                        <m:t>lineare</m:t>
+                      </m:r>
+                      <m:r>
+                        <m:rPr>
+                          <m:nor/>
+                        </m:rPr>
+                        <a:rPr lang="it-IT" sz="2400" dirty="0"/>
+                        <m:t> </m:t>
+                      </m:r>
+                      <m:r>
+                        <m:rPr>
+                          <m:nor/>
+                        </m:rPr>
+                        <a:rPr lang="it-IT" sz="2400" dirty="0"/>
+                        <m:t>intera</m:t>
+                      </m:r>
+                    </m:oMath>
+                  </m:oMathPara>
+                </a14:m>
+                <a:endParaRPr lang="it-IT" sz="2400" dirty="0"/>
+              </a:p>
+            </p:txBody>
+          </p:sp>
+        </mc:Choice>
+        <mc:Fallback xmlns="">
+          <p:sp>
+            <p:nvSpPr>
+              <p:cNvPr id="18" name="Content Placeholder 2">
+                <a:extLst>
+                  <a:ext uri="{FF2B5EF4-FFF2-40B4-BE49-F238E27FC236}">
+                    <a16:creationId xmlns:a16="http://schemas.microsoft.com/office/drawing/2014/main" id="{D9E732F9-54AC-C1AF-7C13-2950378757B9}"/>
+                  </a:ext>
+                </a:extLst>
+              </p:cNvPr>
+              <p:cNvSpPr txBox="1">
+                <a:spLocks noRot="1" noChangeAspect="1" noMove="1" noResize="1" noEditPoints="1" noAdjustHandles="1" noChangeArrowheads="1" noChangeShapeType="1" noTextEdit="1"/>
+              </p:cNvSpPr>
+              <p:nvPr/>
+            </p:nvSpPr>
+            <p:spPr bwMode="auto">
+              <a:xfrm>
+                <a:off x="323528" y="1700809"/>
+                <a:ext cx="3515853" cy="982070"/>
+              </a:xfrm>
+              <a:prstGeom prst="rect">
+                <a:avLst/>
+              </a:prstGeom>
+              <a:blipFill>
+                <a:blip r:embed="rId6"/>
+                <a:stretch>
+                  <a:fillRect l="-520" b="-18634"/>
+                </a:stretch>
+              </a:blipFill>
+              <a:ln w="9525">
+                <a:noFill/>
+                <a:miter lim="800000"/>
+                <a:headEnd/>
+                <a:tailEnd/>
+              </a:ln>
+            </p:spPr>
+            <p:txBody>
+              <a:bodyPr/>
+              <a:lstStyle/>
+              <a:p>
+                <a:r>
+                  <a:rPr lang="it-IT">
+                    <a:noFill/>
+                  </a:rPr>
+                  <a:t> </a:t>
+                </a:r>
+              </a:p>
+            </p:txBody>
+          </p:sp>
+        </mc:Fallback>
+      </mc:AlternateContent>
       <p:pic>
         <p:nvPicPr>
-          <p:cNvPr id="37" name="Picture 36">
+          <p:cNvPr id="9" name="Graphic 8">
             <a:extLst>
               <a:ext uri="{FF2B5EF4-FFF2-40B4-BE49-F238E27FC236}">
-                <a16:creationId xmlns:a16="http://schemas.microsoft.com/office/drawing/2014/main" id="{A37FEB3A-C853-69FB-BBDA-E6F3B1EA0C92}"/>
+                <a16:creationId xmlns:a16="http://schemas.microsoft.com/office/drawing/2014/main" id="{DF2A7FAC-4605-5841-A15E-D1833B892DDC}"/>
               </a:ext>
             </a:extLst>
           </p:cNvPr>
@@ -10102,15 +10521,102 @@
           <p:nvPr/>
         </p:nvPicPr>
         <p:blipFill>
-          <a:blip r:embed="rId6"/>
+          <a:blip r:embed="rId7">
+            <a:extLst>
+              <a:ext uri="{28A0092B-C50C-407E-A947-70E740481C1C}">
+                <a14:useLocalDpi xmlns:a14="http://schemas.microsoft.com/office/drawing/2010/main" val="0"/>
+              </a:ext>
+              <a:ext uri="{96DAC541-7B7A-43D3-8B79-37D633B846F1}">
+                <asvg:svgBlip xmlns:asvg="http://schemas.microsoft.com/office/drawing/2016/SVG/main" r:embed="rId8"/>
+              </a:ext>
+            </a:extLst>
+          </a:blip>
           <a:stretch>
             <a:fillRect/>
           </a:stretch>
         </p:blipFill>
         <p:spPr>
           <a:xfrm>
-            <a:off x="4829727" y="1529487"/>
-            <a:ext cx="2190545" cy="1755497"/>
+            <a:off x="4643396" y="1022019"/>
+            <a:ext cx="2880320" cy="2218959"/>
+          </a:xfrm>
+          <a:prstGeom prst="rect">
+            <a:avLst/>
+          </a:prstGeom>
+        </p:spPr>
+      </p:pic>
+      <p:pic>
+        <p:nvPicPr>
+          <p:cNvPr id="5" name="Graphic 4">
+            <a:extLst>
+              <a:ext uri="{FF2B5EF4-FFF2-40B4-BE49-F238E27FC236}">
+                <a16:creationId xmlns:a16="http://schemas.microsoft.com/office/drawing/2014/main" id="{B3615A27-C6C5-4B40-9E87-51E4CD1AAAA1}"/>
+              </a:ext>
+            </a:extLst>
+          </p:cNvPr>
+          <p:cNvPicPr>
+            <a:picLocks noChangeAspect="1"/>
+          </p:cNvPicPr>
+          <p:nvPr/>
+        </p:nvPicPr>
+        <p:blipFill>
+          <a:blip r:embed="rId9">
+            <a:extLst>
+              <a:ext uri="{28A0092B-C50C-407E-A947-70E740481C1C}">
+                <a14:useLocalDpi xmlns:a14="http://schemas.microsoft.com/office/drawing/2010/main" val="0"/>
+              </a:ext>
+              <a:ext uri="{96DAC541-7B7A-43D3-8B79-37D633B846F1}">
+                <asvg:svgBlip xmlns:asvg="http://schemas.microsoft.com/office/drawing/2016/SVG/main" r:embed="rId10"/>
+              </a:ext>
+            </a:extLst>
+          </a:blip>
+          <a:stretch>
+            <a:fillRect/>
+          </a:stretch>
+        </p:blipFill>
+        <p:spPr>
+          <a:xfrm>
+            <a:off x="2671054" y="2924943"/>
+            <a:ext cx="6158934" cy="3312368"/>
+          </a:xfrm>
+          <a:prstGeom prst="rect">
+            <a:avLst/>
+          </a:prstGeom>
+        </p:spPr>
+      </p:pic>
+      <p:pic>
+        <p:nvPicPr>
+          <p:cNvPr id="7" name="Graphic 6">
+            <a:extLst>
+              <a:ext uri="{FF2B5EF4-FFF2-40B4-BE49-F238E27FC236}">
+                <a16:creationId xmlns:a16="http://schemas.microsoft.com/office/drawing/2014/main" id="{03D1893D-8CDD-8CF1-E563-B21BDF6F30C2}"/>
+              </a:ext>
+            </a:extLst>
+          </p:cNvPr>
+          <p:cNvPicPr>
+            <a:picLocks noChangeAspect="1"/>
+          </p:cNvPicPr>
+          <p:nvPr/>
+        </p:nvPicPr>
+        <p:blipFill>
+          <a:blip r:embed="rId11">
+            <a:extLst>
+              <a:ext uri="{28A0092B-C50C-407E-A947-70E740481C1C}">
+                <a14:useLocalDpi xmlns:a14="http://schemas.microsoft.com/office/drawing/2010/main" val="0"/>
+              </a:ext>
+              <a:ext uri="{96DAC541-7B7A-43D3-8B79-37D633B846F1}">
+                <asvg:svgBlip xmlns:asvg="http://schemas.microsoft.com/office/drawing/2016/SVG/main" r:embed="rId12"/>
+              </a:ext>
+            </a:extLst>
+          </a:blip>
+          <a:stretch>
+            <a:fillRect/>
+          </a:stretch>
+        </p:blipFill>
+        <p:spPr>
+          <a:xfrm>
+            <a:off x="5580112" y="4580241"/>
+            <a:ext cx="432048" cy="432048"/>
           </a:xfrm>
           <a:prstGeom prst="rect">
             <a:avLst/>
@@ -10149,6 +10655,685 @@
       </p:grpSpPr>
       <p:sp>
         <p:nvSpPr>
+          <p:cNvPr id="22" name="Content Placeholder 2">
+            <a:extLst>
+              <a:ext uri="{FF2B5EF4-FFF2-40B4-BE49-F238E27FC236}">
+                <a16:creationId xmlns:a16="http://schemas.microsoft.com/office/drawing/2014/main" id="{AB46FD17-5A96-0681-C9F5-271FBD87BDD4}"/>
+              </a:ext>
+            </a:extLst>
+          </p:cNvPr>
+          <p:cNvSpPr txBox="1">
+            <a:spLocks/>
+          </p:cNvSpPr>
+          <p:nvPr/>
+        </p:nvSpPr>
+        <p:spPr bwMode="auto">
+          <a:xfrm>
+            <a:off x="251520" y="900552"/>
+            <a:ext cx="8642350" cy="576065"/>
+          </a:xfrm>
+          <a:prstGeom prst="rect">
+            <a:avLst/>
+          </a:prstGeom>
+          <a:noFill/>
+          <a:ln w="9525">
+            <a:noFill/>
+            <a:miter lim="800000"/>
+            <a:headEnd/>
+            <a:tailEnd/>
+          </a:ln>
+        </p:spPr>
+        <p:txBody>
+          <a:bodyPr vert="horz" wrap="square" lIns="91440" tIns="45720" rIns="91440" bIns="45720" numCol="1" anchor="t" anchorCtr="0" compatLnSpc="1">
+            <a:prstTxWarp prst="textNoShape">
+              <a:avLst/>
+            </a:prstTxWarp>
+          </a:bodyPr>
+          <a:lstStyle>
+            <a:lvl1pPr marL="342900" indent="-342900" algn="l" rtl="0" eaLnBrk="0" fontAlgn="base" hangingPunct="0">
+              <a:spcBef>
+                <a:spcPct val="20000"/>
+              </a:spcBef>
+              <a:spcAft>
+                <a:spcPct val="0"/>
+              </a:spcAft>
+              <a:buFont typeface="Wingdings" pitchFamily="2" charset="2"/>
+              <a:buChar char="§"/>
+              <a:defRPr sz="3000">
+                <a:solidFill>
+                  <a:schemeClr val="tx1"/>
+                </a:solidFill>
+                <a:latin typeface="Calibri" panose="020F0502020204030204" pitchFamily="34" charset="0"/>
+                <a:ea typeface="+mn-ea"/>
+                <a:cs typeface="+mn-cs"/>
+              </a:defRPr>
+            </a:lvl1pPr>
+            <a:lvl2pPr marL="793750" indent="-271463" algn="l" rtl="0" eaLnBrk="0" fontAlgn="base" hangingPunct="0">
+              <a:spcBef>
+                <a:spcPct val="20000"/>
+              </a:spcBef>
+              <a:spcAft>
+                <a:spcPct val="0"/>
+              </a:spcAft>
+              <a:buClr>
+                <a:srgbClr val="000080"/>
+              </a:buClr>
+              <a:buFont typeface="Wingdings" pitchFamily="2" charset="2"/>
+              <a:buChar char="§"/>
+              <a:defRPr sz="2600">
+                <a:solidFill>
+                  <a:schemeClr val="tx1"/>
+                </a:solidFill>
+                <a:latin typeface="Calibri" panose="020F0502020204030204" pitchFamily="34" charset="0"/>
+              </a:defRPr>
+            </a:lvl2pPr>
+            <a:lvl3pPr marL="1436688" indent="-363538" algn="l" rtl="0" eaLnBrk="0" fontAlgn="base" hangingPunct="0">
+              <a:spcBef>
+                <a:spcPct val="20000"/>
+              </a:spcBef>
+              <a:spcAft>
+                <a:spcPct val="0"/>
+              </a:spcAft>
+              <a:buFont typeface="Wingdings" pitchFamily="2" charset="2"/>
+              <a:buChar char="ð"/>
+              <a:defRPr sz="2200">
+                <a:solidFill>
+                  <a:schemeClr val="tx1"/>
+                </a:solidFill>
+                <a:latin typeface="Calibri" panose="020F0502020204030204" pitchFamily="34" charset="0"/>
+              </a:defRPr>
+            </a:lvl3pPr>
+            <a:lvl4pPr marL="1844675" indent="-228600" algn="l" rtl="0" eaLnBrk="0" fontAlgn="base" hangingPunct="0">
+              <a:spcBef>
+                <a:spcPct val="20000"/>
+              </a:spcBef>
+              <a:spcAft>
+                <a:spcPct val="0"/>
+              </a:spcAft>
+              <a:buChar char="–"/>
+              <a:defRPr>
+                <a:solidFill>
+                  <a:schemeClr val="tx1"/>
+                </a:solidFill>
+                <a:latin typeface="Calibri" panose="020F0502020204030204" pitchFamily="34" charset="0"/>
+              </a:defRPr>
+            </a:lvl4pPr>
+            <a:lvl5pPr marL="2252663" indent="-228600" algn="l" rtl="0" eaLnBrk="0" fontAlgn="base" hangingPunct="0">
+              <a:spcBef>
+                <a:spcPct val="20000"/>
+              </a:spcBef>
+              <a:spcAft>
+                <a:spcPct val="0"/>
+              </a:spcAft>
+              <a:buChar char="»"/>
+              <a:defRPr sz="1600">
+                <a:solidFill>
+                  <a:schemeClr val="tx1"/>
+                </a:solidFill>
+                <a:latin typeface="Calibri" panose="020F0502020204030204" pitchFamily="34" charset="0"/>
+              </a:defRPr>
+            </a:lvl5pPr>
+            <a:lvl6pPr marL="2709863" indent="-228600" algn="l" rtl="0" fontAlgn="base">
+              <a:spcBef>
+                <a:spcPct val="20000"/>
+              </a:spcBef>
+              <a:spcAft>
+                <a:spcPct val="0"/>
+              </a:spcAft>
+              <a:buChar char="»"/>
+              <a:defRPr sz="1600">
+                <a:solidFill>
+                  <a:schemeClr val="tx1"/>
+                </a:solidFill>
+                <a:latin typeface="+mn-lt"/>
+              </a:defRPr>
+            </a:lvl6pPr>
+            <a:lvl7pPr marL="3167063" indent="-228600" algn="l" rtl="0" fontAlgn="base">
+              <a:spcBef>
+                <a:spcPct val="20000"/>
+              </a:spcBef>
+              <a:spcAft>
+                <a:spcPct val="0"/>
+              </a:spcAft>
+              <a:buChar char="»"/>
+              <a:defRPr sz="1600">
+                <a:solidFill>
+                  <a:schemeClr val="tx1"/>
+                </a:solidFill>
+                <a:latin typeface="+mn-lt"/>
+              </a:defRPr>
+            </a:lvl7pPr>
+            <a:lvl8pPr marL="3624263" indent="-228600" algn="l" rtl="0" fontAlgn="base">
+              <a:spcBef>
+                <a:spcPct val="20000"/>
+              </a:spcBef>
+              <a:spcAft>
+                <a:spcPct val="0"/>
+              </a:spcAft>
+              <a:buChar char="»"/>
+              <a:defRPr sz="1600">
+                <a:solidFill>
+                  <a:schemeClr val="tx1"/>
+                </a:solidFill>
+                <a:latin typeface="+mn-lt"/>
+              </a:defRPr>
+            </a:lvl8pPr>
+            <a:lvl9pPr marL="4081463" indent="-228600" algn="l" rtl="0" fontAlgn="base">
+              <a:spcBef>
+                <a:spcPct val="20000"/>
+              </a:spcBef>
+              <a:spcAft>
+                <a:spcPct val="0"/>
+              </a:spcAft>
+              <a:buChar char="»"/>
+              <a:defRPr sz="1600">
+                <a:solidFill>
+                  <a:schemeClr val="tx1"/>
+                </a:solidFill>
+                <a:latin typeface="+mn-lt"/>
+              </a:defRPr>
+            </a:lvl9pPr>
+          </a:lstStyle>
+          <a:p>
+            <a:pPr marL="0" indent="0">
+              <a:buFont typeface="Wingdings" pitchFamily="2" charset="2"/>
+              <a:buNone/>
+            </a:pPr>
+            <a:r>
+              <a:rPr lang="it-IT" b="1" kern="0" dirty="0">
+                <a:latin typeface="Calibri Light" panose="020F0302020204030204" pitchFamily="34" charset="0"/>
+                <a:cs typeface="Calibri Light" panose="020F0302020204030204" pitchFamily="34" charset="0"/>
+              </a:rPr>
+              <a:t>Conclusioni</a:t>
+            </a:r>
+          </a:p>
+        </p:txBody>
+      </p:sp>
+      <p:sp>
+        <p:nvSpPr>
+          <p:cNvPr id="16" name="TextBox 15">
+            <a:extLst>
+              <a:ext uri="{FF2B5EF4-FFF2-40B4-BE49-F238E27FC236}">
+                <a16:creationId xmlns:a16="http://schemas.microsoft.com/office/drawing/2014/main" id="{776237A0-A7A3-EE5E-2B8E-5DD9AC2E7948}"/>
+              </a:ext>
+            </a:extLst>
+          </p:cNvPr>
+          <p:cNvSpPr txBox="1"/>
+          <p:nvPr/>
+        </p:nvSpPr>
+        <p:spPr>
+          <a:xfrm>
+            <a:off x="323419" y="4486140"/>
+            <a:ext cx="2592397" cy="1569660"/>
+          </a:xfrm>
+          <a:prstGeom prst="rect">
+            <a:avLst/>
+          </a:prstGeom>
+          <a:noFill/>
+        </p:spPr>
+        <p:txBody>
+          <a:bodyPr wrap="square">
+            <a:spAutoFit/>
+          </a:bodyPr>
+          <a:lstStyle/>
+          <a:p>
+            <a:pPr algn="l"/>
+            <a:r>
+              <a:rPr lang="it-IT" sz="2400" dirty="0">
+                <a:solidFill>
+                  <a:schemeClr val="tx1"/>
+                </a:solidFill>
+                <a:latin typeface="Calibri" panose="020F0502020204030204" pitchFamily="34" charset="0"/>
+              </a:rPr>
+              <a:t>Miglioramento medio al variare del numero di uscite</a:t>
+            </a:r>
+          </a:p>
+        </p:txBody>
+      </p:sp>
+      <p:sp>
+        <p:nvSpPr>
+          <p:cNvPr id="17" name="Content Placeholder 2">
+            <a:extLst>
+              <a:ext uri="{FF2B5EF4-FFF2-40B4-BE49-F238E27FC236}">
+                <a16:creationId xmlns:a16="http://schemas.microsoft.com/office/drawing/2014/main" id="{44CED9F4-60B8-C500-53C3-BEE47E3046C3}"/>
+              </a:ext>
+            </a:extLst>
+          </p:cNvPr>
+          <p:cNvSpPr txBox="1">
+            <a:spLocks/>
+          </p:cNvSpPr>
+          <p:nvPr/>
+        </p:nvSpPr>
+        <p:spPr bwMode="auto">
+          <a:xfrm>
+            <a:off x="249663" y="3910075"/>
+            <a:ext cx="8642350" cy="576065"/>
+          </a:xfrm>
+          <a:prstGeom prst="rect">
+            <a:avLst/>
+          </a:prstGeom>
+          <a:noFill/>
+          <a:ln w="9525">
+            <a:noFill/>
+            <a:miter lim="800000"/>
+            <a:headEnd/>
+            <a:tailEnd/>
+          </a:ln>
+        </p:spPr>
+        <p:txBody>
+          <a:bodyPr vert="horz" wrap="square" lIns="91440" tIns="45720" rIns="91440" bIns="45720" numCol="1" anchor="t" anchorCtr="0" compatLnSpc="1">
+            <a:prstTxWarp prst="textNoShape">
+              <a:avLst/>
+            </a:prstTxWarp>
+          </a:bodyPr>
+          <a:lstStyle>
+            <a:lvl1pPr marL="342900" indent="-342900" algn="l" rtl="0" eaLnBrk="0" fontAlgn="base" hangingPunct="0">
+              <a:spcBef>
+                <a:spcPct val="20000"/>
+              </a:spcBef>
+              <a:spcAft>
+                <a:spcPct val="0"/>
+              </a:spcAft>
+              <a:buFont typeface="Wingdings" pitchFamily="2" charset="2"/>
+              <a:buChar char="§"/>
+              <a:defRPr sz="3000">
+                <a:solidFill>
+                  <a:schemeClr val="tx1"/>
+                </a:solidFill>
+                <a:latin typeface="Calibri" panose="020F0502020204030204" pitchFamily="34" charset="0"/>
+                <a:ea typeface="+mn-ea"/>
+                <a:cs typeface="+mn-cs"/>
+              </a:defRPr>
+            </a:lvl1pPr>
+            <a:lvl2pPr marL="793750" indent="-271463" algn="l" rtl="0" eaLnBrk="0" fontAlgn="base" hangingPunct="0">
+              <a:spcBef>
+                <a:spcPct val="20000"/>
+              </a:spcBef>
+              <a:spcAft>
+                <a:spcPct val="0"/>
+              </a:spcAft>
+              <a:buClr>
+                <a:srgbClr val="000080"/>
+              </a:buClr>
+              <a:buFont typeface="Wingdings" pitchFamily="2" charset="2"/>
+              <a:buChar char="§"/>
+              <a:defRPr sz="2600">
+                <a:solidFill>
+                  <a:schemeClr val="tx1"/>
+                </a:solidFill>
+                <a:latin typeface="Calibri" panose="020F0502020204030204" pitchFamily="34" charset="0"/>
+              </a:defRPr>
+            </a:lvl2pPr>
+            <a:lvl3pPr marL="1436688" indent="-363538" algn="l" rtl="0" eaLnBrk="0" fontAlgn="base" hangingPunct="0">
+              <a:spcBef>
+                <a:spcPct val="20000"/>
+              </a:spcBef>
+              <a:spcAft>
+                <a:spcPct val="0"/>
+              </a:spcAft>
+              <a:buFont typeface="Wingdings" pitchFamily="2" charset="2"/>
+              <a:buChar char="ð"/>
+              <a:defRPr sz="2200">
+                <a:solidFill>
+                  <a:schemeClr val="tx1"/>
+                </a:solidFill>
+                <a:latin typeface="Calibri" panose="020F0502020204030204" pitchFamily="34" charset="0"/>
+              </a:defRPr>
+            </a:lvl3pPr>
+            <a:lvl4pPr marL="1844675" indent="-228600" algn="l" rtl="0" eaLnBrk="0" fontAlgn="base" hangingPunct="0">
+              <a:spcBef>
+                <a:spcPct val="20000"/>
+              </a:spcBef>
+              <a:spcAft>
+                <a:spcPct val="0"/>
+              </a:spcAft>
+              <a:buChar char="–"/>
+              <a:defRPr>
+                <a:solidFill>
+                  <a:schemeClr val="tx1"/>
+                </a:solidFill>
+                <a:latin typeface="Calibri" panose="020F0502020204030204" pitchFamily="34" charset="0"/>
+              </a:defRPr>
+            </a:lvl4pPr>
+            <a:lvl5pPr marL="2252663" indent="-228600" algn="l" rtl="0" eaLnBrk="0" fontAlgn="base" hangingPunct="0">
+              <a:spcBef>
+                <a:spcPct val="20000"/>
+              </a:spcBef>
+              <a:spcAft>
+                <a:spcPct val="0"/>
+              </a:spcAft>
+              <a:buChar char="»"/>
+              <a:defRPr sz="1600">
+                <a:solidFill>
+                  <a:schemeClr val="tx1"/>
+                </a:solidFill>
+                <a:latin typeface="Calibri" panose="020F0502020204030204" pitchFamily="34" charset="0"/>
+              </a:defRPr>
+            </a:lvl5pPr>
+            <a:lvl6pPr marL="2709863" indent="-228600" algn="l" rtl="0" fontAlgn="base">
+              <a:spcBef>
+                <a:spcPct val="20000"/>
+              </a:spcBef>
+              <a:spcAft>
+                <a:spcPct val="0"/>
+              </a:spcAft>
+              <a:buChar char="»"/>
+              <a:defRPr sz="1600">
+                <a:solidFill>
+                  <a:schemeClr val="tx1"/>
+                </a:solidFill>
+                <a:latin typeface="+mn-lt"/>
+              </a:defRPr>
+            </a:lvl6pPr>
+            <a:lvl7pPr marL="3167063" indent="-228600" algn="l" rtl="0" fontAlgn="base">
+              <a:spcBef>
+                <a:spcPct val="20000"/>
+              </a:spcBef>
+              <a:spcAft>
+                <a:spcPct val="0"/>
+              </a:spcAft>
+              <a:buChar char="»"/>
+              <a:defRPr sz="1600">
+                <a:solidFill>
+                  <a:schemeClr val="tx1"/>
+                </a:solidFill>
+                <a:latin typeface="+mn-lt"/>
+              </a:defRPr>
+            </a:lvl7pPr>
+            <a:lvl8pPr marL="3624263" indent="-228600" algn="l" rtl="0" fontAlgn="base">
+              <a:spcBef>
+                <a:spcPct val="20000"/>
+              </a:spcBef>
+              <a:spcAft>
+                <a:spcPct val="0"/>
+              </a:spcAft>
+              <a:buChar char="»"/>
+              <a:defRPr sz="1600">
+                <a:solidFill>
+                  <a:schemeClr val="tx1"/>
+                </a:solidFill>
+                <a:latin typeface="+mn-lt"/>
+              </a:defRPr>
+            </a:lvl8pPr>
+            <a:lvl9pPr marL="4081463" indent="-228600" algn="l" rtl="0" fontAlgn="base">
+              <a:spcBef>
+                <a:spcPct val="20000"/>
+              </a:spcBef>
+              <a:spcAft>
+                <a:spcPct val="0"/>
+              </a:spcAft>
+              <a:buChar char="»"/>
+              <a:defRPr sz="1600">
+                <a:solidFill>
+                  <a:schemeClr val="tx1"/>
+                </a:solidFill>
+                <a:latin typeface="+mn-lt"/>
+              </a:defRPr>
+            </a:lvl9pPr>
+          </a:lstStyle>
+          <a:p>
+            <a:pPr marL="0" indent="0">
+              <a:buFont typeface="Wingdings" pitchFamily="2" charset="2"/>
+              <a:buNone/>
+            </a:pPr>
+            <a:r>
+              <a:rPr lang="it-IT" b="1" kern="0" dirty="0">
+                <a:latin typeface="Calibri Light" panose="020F0302020204030204" pitchFamily="34" charset="0"/>
+                <a:cs typeface="Calibri Light" panose="020F0302020204030204" pitchFamily="34" charset="0"/>
+              </a:rPr>
+              <a:t>Statistiche</a:t>
+            </a:r>
+          </a:p>
+        </p:txBody>
+      </p:sp>
+      <p:sp>
+        <p:nvSpPr>
+          <p:cNvPr id="10" name="TextBox 9">
+            <a:extLst>
+              <a:ext uri="{FF2B5EF4-FFF2-40B4-BE49-F238E27FC236}">
+                <a16:creationId xmlns:a16="http://schemas.microsoft.com/office/drawing/2014/main" id="{A7D37F17-406C-8B28-0BF7-8FDB8D8582B8}"/>
+              </a:ext>
+            </a:extLst>
+          </p:cNvPr>
+          <p:cNvSpPr txBox="1"/>
+          <p:nvPr/>
+        </p:nvSpPr>
+        <p:spPr>
+          <a:xfrm>
+            <a:off x="217612" y="1466374"/>
+            <a:ext cx="8962900" cy="2308324"/>
+          </a:xfrm>
+          <a:prstGeom prst="rect">
+            <a:avLst/>
+          </a:prstGeom>
+          <a:noFill/>
+        </p:spPr>
+        <p:txBody>
+          <a:bodyPr wrap="square">
+            <a:spAutoFit/>
+          </a:bodyPr>
+          <a:lstStyle/>
+          <a:p>
+            <a:pPr marL="342900" indent="-342900" algn="l" fontAlgn="base">
+              <a:buFont typeface="Arial" panose="020B0604020202020204" pitchFamily="34" charset="0"/>
+              <a:buChar char="•"/>
+            </a:pPr>
+            <a:r>
+              <a:rPr lang="it-IT" sz="2400" dirty="0">
+                <a:solidFill>
+                  <a:srgbClr val="000000"/>
+                </a:solidFill>
+                <a:latin typeface="Calibri" panose="020F0502020204030204" pitchFamily="34" charset="0"/>
+                <a:cs typeface="Calibri" panose="020F0502020204030204" pitchFamily="34" charset="0"/>
+              </a:rPr>
+              <a:t>M</a:t>
+            </a:r>
+            <a:r>
+              <a:rPr lang="it-IT" sz="2400" b="0" i="0" dirty="0">
+                <a:solidFill>
+                  <a:srgbClr val="000000"/>
+                </a:solidFill>
+                <a:effectLst/>
+                <a:latin typeface="Calibri" panose="020F0502020204030204" pitchFamily="34" charset="0"/>
+                <a:cs typeface="Calibri" panose="020F0502020204030204" pitchFamily="34" charset="0"/>
+              </a:rPr>
+              <a:t>odellazione del problema di minimizzazione di funzioni booleane multi-uscita come problema di PLI</a:t>
+            </a:r>
+          </a:p>
+          <a:p>
+            <a:pPr marL="342900" indent="-342900" algn="l" fontAlgn="base">
+              <a:buFont typeface="Arial" panose="020B0604020202020204" pitchFamily="34" charset="0"/>
+              <a:buChar char="•"/>
+            </a:pPr>
+            <a:r>
+              <a:rPr lang="it-IT" sz="2400" dirty="0">
+                <a:solidFill>
+                  <a:srgbClr val="000000"/>
+                </a:solidFill>
+                <a:latin typeface="Calibri" panose="020F0502020204030204" pitchFamily="34" charset="0"/>
+                <a:cs typeface="Calibri" panose="020F0502020204030204" pitchFamily="34" charset="0"/>
+              </a:rPr>
+              <a:t>U</a:t>
+            </a:r>
+            <a:r>
+              <a:rPr lang="it-IT" sz="2400" b="0" i="0" dirty="0">
+                <a:solidFill>
+                  <a:srgbClr val="000000"/>
+                </a:solidFill>
+                <a:effectLst/>
+                <a:latin typeface="Calibri" panose="020F0502020204030204" pitchFamily="34" charset="0"/>
+                <a:cs typeface="Calibri" panose="020F0502020204030204" pitchFamily="34" charset="0"/>
+              </a:rPr>
+              <a:t>tilizzo di </a:t>
+            </a:r>
+            <a:r>
+              <a:rPr lang="it-IT" sz="2400" b="0" i="0" dirty="0" err="1">
+                <a:solidFill>
+                  <a:srgbClr val="000000"/>
+                </a:solidFill>
+                <a:effectLst/>
+                <a:latin typeface="Calibri" panose="020F0502020204030204" pitchFamily="34" charset="0"/>
+                <a:cs typeface="Calibri" panose="020F0502020204030204" pitchFamily="34" charset="0"/>
+              </a:rPr>
+              <a:t>intlinprog</a:t>
+            </a:r>
+            <a:r>
+              <a:rPr lang="it-IT" sz="2400" b="0" i="0" dirty="0">
+                <a:solidFill>
+                  <a:srgbClr val="000000"/>
+                </a:solidFill>
+                <a:effectLst/>
+                <a:latin typeface="Calibri" panose="020F0502020204030204" pitchFamily="34" charset="0"/>
+                <a:cs typeface="Calibri" panose="020F0502020204030204" pitchFamily="34" charset="0"/>
+              </a:rPr>
+              <a:t> di </a:t>
+            </a:r>
+            <a:r>
+              <a:rPr lang="it-IT" sz="2400" b="0" i="0" dirty="0" err="1">
+                <a:solidFill>
+                  <a:srgbClr val="000000"/>
+                </a:solidFill>
+                <a:effectLst/>
+                <a:latin typeface="Calibri" panose="020F0502020204030204" pitchFamily="34" charset="0"/>
+                <a:cs typeface="Calibri" panose="020F0502020204030204" pitchFamily="34" charset="0"/>
+              </a:rPr>
+              <a:t>Matlab</a:t>
+            </a:r>
+            <a:r>
+              <a:rPr lang="it-IT" sz="2400" b="0" i="0" dirty="0">
+                <a:solidFill>
+                  <a:srgbClr val="000000"/>
+                </a:solidFill>
+                <a:effectLst/>
+                <a:latin typeface="Calibri" panose="020F0502020204030204" pitchFamily="34" charset="0"/>
+                <a:cs typeface="Calibri" panose="020F0502020204030204" pitchFamily="34" charset="0"/>
+              </a:rPr>
+              <a:t> per trovare la soluzione ottima</a:t>
+            </a:r>
+          </a:p>
+          <a:p>
+            <a:pPr marL="342900" indent="-342900" algn="l" fontAlgn="base">
+              <a:buFont typeface="Arial" panose="020B0604020202020204" pitchFamily="34" charset="0"/>
+              <a:buChar char="•"/>
+            </a:pPr>
+            <a:r>
+              <a:rPr lang="it-IT" sz="2400" dirty="0">
+                <a:solidFill>
+                  <a:srgbClr val="000000"/>
+                </a:solidFill>
+                <a:latin typeface="Calibri" panose="020F0502020204030204" pitchFamily="34" charset="0"/>
+                <a:cs typeface="Calibri" panose="020F0502020204030204" pitchFamily="34" charset="0"/>
+              </a:rPr>
+              <a:t>I</a:t>
+            </a:r>
+            <a:r>
+              <a:rPr lang="it-IT" sz="2400" b="0" i="0" dirty="0">
+                <a:solidFill>
+                  <a:srgbClr val="000000"/>
+                </a:solidFill>
+                <a:effectLst/>
+                <a:latin typeface="Calibri" panose="020F0502020204030204" pitchFamily="34" charset="0"/>
+                <a:cs typeface="Calibri" panose="020F0502020204030204" pitchFamily="34" charset="0"/>
+              </a:rPr>
+              <a:t>mplementazione </a:t>
+            </a:r>
+            <a:r>
+              <a:rPr lang="it-IT" sz="2400" dirty="0">
+                <a:solidFill>
+                  <a:srgbClr val="000000"/>
+                </a:solidFill>
+                <a:latin typeface="Calibri" panose="020F0502020204030204" pitchFamily="34" charset="0"/>
+                <a:cs typeface="Calibri" panose="020F0502020204030204" pitchFamily="34" charset="0"/>
+              </a:rPr>
+              <a:t>de</a:t>
+            </a:r>
+            <a:r>
+              <a:rPr lang="it-IT" sz="2400" b="0" i="0" dirty="0">
+                <a:solidFill>
+                  <a:srgbClr val="000000"/>
+                </a:solidFill>
+                <a:effectLst/>
+                <a:latin typeface="Calibri" panose="020F0502020204030204" pitchFamily="34" charset="0"/>
+                <a:cs typeface="Calibri" panose="020F0502020204030204" pitchFamily="34" charset="0"/>
+              </a:rPr>
+              <a:t>l metodo di Quine-</a:t>
+            </a:r>
+            <a:r>
+              <a:rPr lang="it-IT" sz="2400" b="0" i="0" dirty="0" err="1">
+                <a:solidFill>
+                  <a:srgbClr val="000000"/>
+                </a:solidFill>
+                <a:effectLst/>
+                <a:latin typeface="Calibri" panose="020F0502020204030204" pitchFamily="34" charset="0"/>
+                <a:cs typeface="Calibri" panose="020F0502020204030204" pitchFamily="34" charset="0"/>
+              </a:rPr>
+              <a:t>McCluskey</a:t>
+            </a:r>
+            <a:r>
+              <a:rPr lang="it-IT" sz="2400" b="0" i="0" dirty="0">
+                <a:solidFill>
+                  <a:srgbClr val="000000"/>
+                </a:solidFill>
+                <a:effectLst/>
+                <a:latin typeface="Calibri" panose="020F0502020204030204" pitchFamily="34" charset="0"/>
+                <a:cs typeface="Calibri" panose="020F0502020204030204" pitchFamily="34" charset="0"/>
+              </a:rPr>
+              <a:t> in </a:t>
+            </a:r>
+            <a:r>
+              <a:rPr lang="it-IT" sz="2400" b="0" i="0" dirty="0" err="1">
+                <a:solidFill>
+                  <a:srgbClr val="000000"/>
+                </a:solidFill>
+                <a:effectLst/>
+                <a:latin typeface="Calibri" panose="020F0502020204030204" pitchFamily="34" charset="0"/>
+                <a:cs typeface="Calibri" panose="020F0502020204030204" pitchFamily="34" charset="0"/>
+              </a:rPr>
+              <a:t>Matlab</a:t>
+            </a:r>
+            <a:r>
+              <a:rPr lang="it-IT" sz="2400" b="0" i="0" dirty="0">
+                <a:solidFill>
+                  <a:srgbClr val="000000"/>
+                </a:solidFill>
+                <a:effectLst/>
+                <a:latin typeface="Calibri" panose="020F0502020204030204" pitchFamily="34" charset="0"/>
+                <a:cs typeface="Calibri" panose="020F0502020204030204" pitchFamily="34" charset="0"/>
+              </a:rPr>
+              <a:t> come metodo di enumerazione degli implicanti</a:t>
+            </a:r>
+          </a:p>
+          <a:p>
+            <a:pPr marL="342900" indent="-342900" algn="l" fontAlgn="base">
+              <a:buFont typeface="Arial" panose="020B0604020202020204" pitchFamily="34" charset="0"/>
+              <a:buChar char="•"/>
+            </a:pPr>
+            <a:r>
+              <a:rPr lang="it-IT" sz="2400" dirty="0">
+                <a:solidFill>
+                  <a:srgbClr val="000000"/>
+                </a:solidFill>
+                <a:latin typeface="Calibri" panose="020F0502020204030204" pitchFamily="34" charset="0"/>
+                <a:cs typeface="Calibri" panose="020F0502020204030204" pitchFamily="34" charset="0"/>
+              </a:rPr>
+              <a:t>C</a:t>
+            </a:r>
+            <a:r>
+              <a:rPr lang="it-IT" sz="2400" b="0" i="0" dirty="0">
+                <a:solidFill>
+                  <a:srgbClr val="000000"/>
+                </a:solidFill>
+                <a:effectLst/>
+                <a:latin typeface="Calibri" panose="020F0502020204030204" pitchFamily="34" charset="0"/>
+                <a:cs typeface="Calibri" panose="020F0502020204030204" pitchFamily="34" charset="0"/>
+              </a:rPr>
+              <a:t>onfronto fra il metodo tradizionale e quello proposto</a:t>
+            </a:r>
+          </a:p>
+        </p:txBody>
+      </p:sp>
+      <p:sp>
+        <p:nvSpPr>
           <p:cNvPr id="2" name="Title 1"/>
           <p:cNvSpPr>
             <a:spLocks noGrp="1"/>
@@ -10164,7 +11349,7 @@
           <a:p>
             <a:r>
               <a:rPr lang="it-IT" dirty="0"/>
-              <a:t>Risultati</a:t>
+              <a:t>Risultati e Conclusioni</a:t>
             </a:r>
           </a:p>
         </p:txBody>
@@ -10210,50 +11395,6 @@
           </a:p>
         </p:txBody>
       </p:sp>
-      <p:sp>
-        <p:nvSpPr>
-          <p:cNvPr id="7" name="TextBox 6">
-            <a:extLst>
-              <a:ext uri="{FF2B5EF4-FFF2-40B4-BE49-F238E27FC236}">
-                <a16:creationId xmlns:a16="http://schemas.microsoft.com/office/drawing/2014/main" id="{057754BE-B8E4-6E31-AA3A-B02FDF57A089}"/>
-              </a:ext>
-            </a:extLst>
-          </p:cNvPr>
-          <p:cNvSpPr txBox="1"/>
-          <p:nvPr/>
-        </p:nvSpPr>
-        <p:spPr>
-          <a:xfrm>
-            <a:off x="1119352" y="1338887"/>
-            <a:ext cx="6905295" cy="1077218"/>
-          </a:xfrm>
-          <a:prstGeom prst="rect">
-            <a:avLst/>
-          </a:prstGeom>
-          <a:noFill/>
-        </p:spPr>
-        <p:txBody>
-          <a:bodyPr wrap="square">
-            <a:spAutoFit/>
-          </a:bodyPr>
-          <a:lstStyle/>
-          <a:p>
-            <a:pPr marL="0" indent="0" algn="ctr">
-              <a:buNone/>
-            </a:pPr>
-            <a:r>
-              <a:rPr lang="it-IT" sz="3200" dirty="0">
-                <a:solidFill>
-                  <a:schemeClr val="tx1"/>
-                </a:solidFill>
-                <a:latin typeface="Calibri" panose="020F0502020204030204" pitchFamily="34" charset="0"/>
-                <a:cs typeface="Calibri" panose="020F0502020204030204" pitchFamily="34" charset="0"/>
-              </a:rPr>
-              <a:t>Miglioramento percentuale medio al variare delle uscite</a:t>
-            </a:r>
-          </a:p>
-        </p:txBody>
-      </p:sp>
       <p:grpSp>
         <p:nvGrpSpPr>
           <p:cNvPr id="5" name="Group 4">
@@ -10268,10 +11409,10 @@
         </p:nvGrpSpPr>
         <p:grpSpPr>
           <a:xfrm>
-            <a:off x="1043608" y="2679282"/>
-            <a:ext cx="7740910" cy="3702046"/>
+            <a:off x="3059832" y="3861048"/>
+            <a:ext cx="5976197" cy="2765096"/>
             <a:chOff x="1043608" y="2348880"/>
-            <a:chExt cx="7740910" cy="3702046"/>
+            <a:chExt cx="7688864" cy="3557522"/>
           </a:xfrm>
         </p:grpSpPr>
         <p:pic>
@@ -10296,13 +11437,13 @@
                 </a:ext>
               </a:extLst>
             </a:blip>
-            <a:srcRect l="6695" t="6216" r="8255"/>
+            <a:srcRect l="6695" t="6216" r="8255" b="3662"/>
             <a:stretch/>
           </p:blipFill>
           <p:spPr>
             <a:xfrm>
               <a:off x="1043608" y="2348880"/>
-              <a:ext cx="6624736" cy="3702046"/>
+              <a:ext cx="6624736" cy="3557522"/>
             </a:xfrm>
             <a:prstGeom prst="rect">
               <a:avLst/>
@@ -10323,8 +11464,8 @@
           </p:nvSpPr>
           <p:spPr>
             <a:xfrm>
-              <a:off x="7560382" y="2459360"/>
-              <a:ext cx="1224136" cy="400110"/>
+              <a:off x="7508336" y="2505571"/>
+              <a:ext cx="1224136" cy="427657"/>
             </a:xfrm>
             <a:prstGeom prst="rect">
               <a:avLst/>
@@ -10339,7 +11480,7 @@
             <a:p>
               <a:pPr algn="l"/>
               <a:r>
-                <a:rPr lang="en-GB" sz="2000" dirty="0">
+                <a:rPr lang="en-GB" sz="1400" dirty="0">
                   <a:solidFill>
                     <a:schemeClr val="tx1"/>
                   </a:solidFill>
@@ -10348,7 +11489,7 @@
                 </a:rPr>
                 <a:t>27.87%</a:t>
               </a:r>
-              <a:endParaRPr lang="it-IT" sz="2000" dirty="0">
+              <a:endParaRPr lang="it-IT" sz="1400" dirty="0">
                 <a:solidFill>
                   <a:schemeClr val="tx1"/>
                 </a:solidFill>
